--- a/abstract/presentation/62393.pptx
+++ b/abstract/presentation/62393.pptx
@@ -4,27 +4,23 @@
   <p:sldMasterIdLst>
     <p:sldMasterId id="2147483660" r:id="rId1"/>
   </p:sldMasterIdLst>
+  <p:notesMasterIdLst>
+    <p:notesMasterId r:id="rId15"/>
+  </p:notesMasterIdLst>
   <p:sldIdLst>
     <p:sldId id="256" r:id="rId2"/>
     <p:sldId id="257" r:id="rId3"/>
     <p:sldId id="258" r:id="rId4"/>
-    <p:sldId id="262" r:id="rId5"/>
-    <p:sldId id="263" r:id="rId6"/>
-    <p:sldId id="264" r:id="rId7"/>
-    <p:sldId id="265" r:id="rId8"/>
-    <p:sldId id="266" r:id="rId9"/>
-    <p:sldId id="267" r:id="rId10"/>
-    <p:sldId id="268" r:id="rId11"/>
-    <p:sldId id="269" r:id="rId12"/>
-    <p:sldId id="270" r:id="rId13"/>
-    <p:sldId id="271" r:id="rId14"/>
-    <p:sldId id="272" r:id="rId15"/>
-    <p:sldId id="273" r:id="rId16"/>
-    <p:sldId id="274" r:id="rId17"/>
-    <p:sldId id="275" r:id="rId18"/>
-    <p:sldId id="276" r:id="rId19"/>
-    <p:sldId id="277" r:id="rId20"/>
-    <p:sldId id="278" r:id="rId21"/>
+    <p:sldId id="279" r:id="rId5"/>
+    <p:sldId id="280" r:id="rId6"/>
+    <p:sldId id="281" r:id="rId7"/>
+    <p:sldId id="282" r:id="rId8"/>
+    <p:sldId id="263" r:id="rId9"/>
+    <p:sldId id="265" r:id="rId10"/>
+    <p:sldId id="283" r:id="rId11"/>
+    <p:sldId id="284" r:id="rId12"/>
+    <p:sldId id="285" r:id="rId13"/>
+    <p:sldId id="286" r:id="rId14"/>
   </p:sldIdLst>
   <p:sldSz cx="12192000" cy="6858000"/>
   <p:notesSz cx="6858000" cy="9144000"/>
@@ -131,6 +127,523 @@
 </p:presentation>
 </file>
 
+<file path=ppt/notesMasters/notesMaster1.xml><?xml version="1.0" encoding="utf-8"?>
+<p:notesMaster xmlns:a="http://schemas.openxmlformats.org/drawingml/2006/main" xmlns:r="http://schemas.openxmlformats.org/officeDocument/2006/relationships" xmlns:p="http://schemas.openxmlformats.org/presentationml/2006/main">
+  <p:cSld>
+    <p:bg>
+      <p:bgRef idx="1001">
+        <a:schemeClr val="bg1"/>
+      </p:bgRef>
+    </p:bg>
+    <p:spTree>
+      <p:nvGrpSpPr>
+        <p:cNvPr id="1" name=""/>
+        <p:cNvGrpSpPr/>
+        <p:nvPr/>
+      </p:nvGrpSpPr>
+      <p:grpSpPr>
+        <a:xfrm>
+          <a:off x="0" y="0"/>
+          <a:ext cx="0" cy="0"/>
+          <a:chOff x="0" y="0"/>
+          <a:chExt cx="0" cy="0"/>
+        </a:xfrm>
+      </p:grpSpPr>
+      <p:sp>
+        <p:nvSpPr>
+          <p:cNvPr id="2" name="Header Placeholder 1"/>
+          <p:cNvSpPr>
+            <a:spLocks noGrp="1"/>
+          </p:cNvSpPr>
+          <p:nvPr>
+            <p:ph type="hdr" sz="quarter"/>
+          </p:nvPr>
+        </p:nvSpPr>
+        <p:spPr>
+          <a:xfrm>
+            <a:off x="0" y="0"/>
+            <a:ext cx="2971800" cy="458788"/>
+          </a:xfrm>
+          <a:prstGeom prst="rect">
+            <a:avLst/>
+          </a:prstGeom>
+        </p:spPr>
+        <p:txBody>
+          <a:bodyPr vert="horz" lIns="91440" tIns="45720" rIns="91440" bIns="45720" rtlCol="0"/>
+          <a:lstStyle>
+            <a:lvl1pPr algn="l">
+              <a:defRPr sz="1200"/>
+            </a:lvl1pPr>
+          </a:lstStyle>
+          <a:p>
+            <a:endParaRPr lang="en-US"/>
+          </a:p>
+        </p:txBody>
+      </p:sp>
+      <p:sp>
+        <p:nvSpPr>
+          <p:cNvPr id="3" name="Date Placeholder 2"/>
+          <p:cNvSpPr>
+            <a:spLocks noGrp="1"/>
+          </p:cNvSpPr>
+          <p:nvPr>
+            <p:ph type="dt" idx="1"/>
+          </p:nvPr>
+        </p:nvSpPr>
+        <p:spPr>
+          <a:xfrm>
+            <a:off x="3884613" y="0"/>
+            <a:ext cx="2971800" cy="458788"/>
+          </a:xfrm>
+          <a:prstGeom prst="rect">
+            <a:avLst/>
+          </a:prstGeom>
+        </p:spPr>
+        <p:txBody>
+          <a:bodyPr vert="horz" lIns="91440" tIns="45720" rIns="91440" bIns="45720" rtlCol="0"/>
+          <a:lstStyle>
+            <a:lvl1pPr algn="r">
+              <a:defRPr sz="1200"/>
+            </a:lvl1pPr>
+          </a:lstStyle>
+          <a:p>
+            <a:fld id="{A2E84133-D34A-458F-8FF7-198D8994D12B}" type="datetimeFigureOut">
+              <a:rPr lang="en-US" smtClean="0"/>
+              <a:t>02-May-22</a:t>
+            </a:fld>
+            <a:endParaRPr lang="en-US"/>
+          </a:p>
+        </p:txBody>
+      </p:sp>
+      <p:sp>
+        <p:nvSpPr>
+          <p:cNvPr id="4" name="Slide Image Placeholder 3"/>
+          <p:cNvSpPr>
+            <a:spLocks noGrp="1" noRot="1" noChangeAspect="1"/>
+          </p:cNvSpPr>
+          <p:nvPr>
+            <p:ph type="sldImg" idx="2"/>
+          </p:nvPr>
+        </p:nvSpPr>
+        <p:spPr>
+          <a:xfrm>
+            <a:off x="685800" y="1143000"/>
+            <a:ext cx="5486400" cy="3086100"/>
+          </a:xfrm>
+          <a:prstGeom prst="rect">
+            <a:avLst/>
+          </a:prstGeom>
+          <a:noFill/>
+          <a:ln w="12700">
+            <a:solidFill>
+              <a:prstClr val="black"/>
+            </a:solidFill>
+          </a:ln>
+        </p:spPr>
+        <p:txBody>
+          <a:bodyPr vert="horz" lIns="91440" tIns="45720" rIns="91440" bIns="45720" rtlCol="0" anchor="ctr"/>
+          <a:lstStyle/>
+          <a:p>
+            <a:endParaRPr lang="en-US"/>
+          </a:p>
+        </p:txBody>
+      </p:sp>
+      <p:sp>
+        <p:nvSpPr>
+          <p:cNvPr id="5" name="Notes Placeholder 4"/>
+          <p:cNvSpPr>
+            <a:spLocks noGrp="1"/>
+          </p:cNvSpPr>
+          <p:nvPr>
+            <p:ph type="body" sz="quarter" idx="3"/>
+          </p:nvPr>
+        </p:nvSpPr>
+        <p:spPr>
+          <a:xfrm>
+            <a:off x="685800" y="4400550"/>
+            <a:ext cx="5486400" cy="3600450"/>
+          </a:xfrm>
+          <a:prstGeom prst="rect">
+            <a:avLst/>
+          </a:prstGeom>
+        </p:spPr>
+        <p:txBody>
+          <a:bodyPr vert="horz" lIns="91440" tIns="45720" rIns="91440" bIns="45720" rtlCol="0"/>
+          <a:lstStyle/>
+          <a:p>
+            <a:pPr lvl="0"/>
+            <a:r>
+              <a:rPr lang="en-US"/>
+              <a:t>Click to edit Master text styles</a:t>
+            </a:r>
+          </a:p>
+          <a:p>
+            <a:pPr lvl="1"/>
+            <a:r>
+              <a:rPr lang="en-US"/>
+              <a:t>Second level</a:t>
+            </a:r>
+          </a:p>
+          <a:p>
+            <a:pPr lvl="2"/>
+            <a:r>
+              <a:rPr lang="en-US"/>
+              <a:t>Third level</a:t>
+            </a:r>
+          </a:p>
+          <a:p>
+            <a:pPr lvl="3"/>
+            <a:r>
+              <a:rPr lang="en-US"/>
+              <a:t>Fourth level</a:t>
+            </a:r>
+          </a:p>
+          <a:p>
+            <a:pPr lvl="4"/>
+            <a:r>
+              <a:rPr lang="en-US"/>
+              <a:t>Fifth level</a:t>
+            </a:r>
+          </a:p>
+        </p:txBody>
+      </p:sp>
+      <p:sp>
+        <p:nvSpPr>
+          <p:cNvPr id="6" name="Footer Placeholder 5"/>
+          <p:cNvSpPr>
+            <a:spLocks noGrp="1"/>
+          </p:cNvSpPr>
+          <p:nvPr>
+            <p:ph type="ftr" sz="quarter" idx="4"/>
+          </p:nvPr>
+        </p:nvSpPr>
+        <p:spPr>
+          <a:xfrm>
+            <a:off x="0" y="8685213"/>
+            <a:ext cx="2971800" cy="458787"/>
+          </a:xfrm>
+          <a:prstGeom prst="rect">
+            <a:avLst/>
+          </a:prstGeom>
+        </p:spPr>
+        <p:txBody>
+          <a:bodyPr vert="horz" lIns="91440" tIns="45720" rIns="91440" bIns="45720" rtlCol="0" anchor="b"/>
+          <a:lstStyle>
+            <a:lvl1pPr algn="l">
+              <a:defRPr sz="1200"/>
+            </a:lvl1pPr>
+          </a:lstStyle>
+          <a:p>
+            <a:endParaRPr lang="en-US"/>
+          </a:p>
+        </p:txBody>
+      </p:sp>
+      <p:sp>
+        <p:nvSpPr>
+          <p:cNvPr id="7" name="Slide Number Placeholder 6"/>
+          <p:cNvSpPr>
+            <a:spLocks noGrp="1"/>
+          </p:cNvSpPr>
+          <p:nvPr>
+            <p:ph type="sldNum" sz="quarter" idx="5"/>
+          </p:nvPr>
+        </p:nvSpPr>
+        <p:spPr>
+          <a:xfrm>
+            <a:off x="3884613" y="8685213"/>
+            <a:ext cx="2971800" cy="458787"/>
+          </a:xfrm>
+          <a:prstGeom prst="rect">
+            <a:avLst/>
+          </a:prstGeom>
+        </p:spPr>
+        <p:txBody>
+          <a:bodyPr vert="horz" lIns="91440" tIns="45720" rIns="91440" bIns="45720" rtlCol="0" anchor="b"/>
+          <a:lstStyle>
+            <a:lvl1pPr algn="r">
+              <a:defRPr sz="1200"/>
+            </a:lvl1pPr>
+          </a:lstStyle>
+          <a:p>
+            <a:fld id="{586BE456-C2DB-4EBD-9A12-AC71EF577D04}" type="slidenum">
+              <a:rPr lang="en-US" smtClean="0"/>
+              <a:t>‹#›</a:t>
+            </a:fld>
+            <a:endParaRPr lang="en-US"/>
+          </a:p>
+        </p:txBody>
+      </p:sp>
+    </p:spTree>
+    <p:extLst>
+      <p:ext uri="{BB962C8B-B14F-4D97-AF65-F5344CB8AC3E}">
+        <p14:creationId xmlns:p14="http://schemas.microsoft.com/office/powerpoint/2010/main" val="3024464267"/>
+      </p:ext>
+    </p:extLst>
+  </p:cSld>
+  <p:clrMap bg1="lt1" tx1="dk1" bg2="lt2" tx2="dk2" accent1="accent1" accent2="accent2" accent3="accent3" accent4="accent4" accent5="accent5" accent6="accent6" hlink="hlink" folHlink="folHlink"/>
+  <p:notesStyle>
+    <a:lvl1pPr marL="0" algn="l" defTabSz="914400" rtl="0" eaLnBrk="1" latinLnBrk="0" hangingPunct="1">
+      <a:defRPr sz="1200" kern="1200">
+        <a:solidFill>
+          <a:schemeClr val="tx1"/>
+        </a:solidFill>
+        <a:latin typeface="+mn-lt"/>
+        <a:ea typeface="+mn-ea"/>
+        <a:cs typeface="+mn-cs"/>
+      </a:defRPr>
+    </a:lvl1pPr>
+    <a:lvl2pPr marL="457200" algn="l" defTabSz="914400" rtl="0" eaLnBrk="1" latinLnBrk="0" hangingPunct="1">
+      <a:defRPr sz="1200" kern="1200">
+        <a:solidFill>
+          <a:schemeClr val="tx1"/>
+        </a:solidFill>
+        <a:latin typeface="+mn-lt"/>
+        <a:ea typeface="+mn-ea"/>
+        <a:cs typeface="+mn-cs"/>
+      </a:defRPr>
+    </a:lvl2pPr>
+    <a:lvl3pPr marL="914400" algn="l" defTabSz="914400" rtl="0" eaLnBrk="1" latinLnBrk="0" hangingPunct="1">
+      <a:defRPr sz="1200" kern="1200">
+        <a:solidFill>
+          <a:schemeClr val="tx1"/>
+        </a:solidFill>
+        <a:latin typeface="+mn-lt"/>
+        <a:ea typeface="+mn-ea"/>
+        <a:cs typeface="+mn-cs"/>
+      </a:defRPr>
+    </a:lvl3pPr>
+    <a:lvl4pPr marL="1371600" algn="l" defTabSz="914400" rtl="0" eaLnBrk="1" latinLnBrk="0" hangingPunct="1">
+      <a:defRPr sz="1200" kern="1200">
+        <a:solidFill>
+          <a:schemeClr val="tx1"/>
+        </a:solidFill>
+        <a:latin typeface="+mn-lt"/>
+        <a:ea typeface="+mn-ea"/>
+        <a:cs typeface="+mn-cs"/>
+      </a:defRPr>
+    </a:lvl4pPr>
+    <a:lvl5pPr marL="1828800" algn="l" defTabSz="914400" rtl="0" eaLnBrk="1" latinLnBrk="0" hangingPunct="1">
+      <a:defRPr sz="1200" kern="1200">
+        <a:solidFill>
+          <a:schemeClr val="tx1"/>
+        </a:solidFill>
+        <a:latin typeface="+mn-lt"/>
+        <a:ea typeface="+mn-ea"/>
+        <a:cs typeface="+mn-cs"/>
+      </a:defRPr>
+    </a:lvl5pPr>
+    <a:lvl6pPr marL="2286000" algn="l" defTabSz="914400" rtl="0" eaLnBrk="1" latinLnBrk="0" hangingPunct="1">
+      <a:defRPr sz="1200" kern="1200">
+        <a:solidFill>
+          <a:schemeClr val="tx1"/>
+        </a:solidFill>
+        <a:latin typeface="+mn-lt"/>
+        <a:ea typeface="+mn-ea"/>
+        <a:cs typeface="+mn-cs"/>
+      </a:defRPr>
+    </a:lvl6pPr>
+    <a:lvl7pPr marL="2743200" algn="l" defTabSz="914400" rtl="0" eaLnBrk="1" latinLnBrk="0" hangingPunct="1">
+      <a:defRPr sz="1200" kern="1200">
+        <a:solidFill>
+          <a:schemeClr val="tx1"/>
+        </a:solidFill>
+        <a:latin typeface="+mn-lt"/>
+        <a:ea typeface="+mn-ea"/>
+        <a:cs typeface="+mn-cs"/>
+      </a:defRPr>
+    </a:lvl7pPr>
+    <a:lvl8pPr marL="3200400" algn="l" defTabSz="914400" rtl="0" eaLnBrk="1" latinLnBrk="0" hangingPunct="1">
+      <a:defRPr sz="1200" kern="1200">
+        <a:solidFill>
+          <a:schemeClr val="tx1"/>
+        </a:solidFill>
+        <a:latin typeface="+mn-lt"/>
+        <a:ea typeface="+mn-ea"/>
+        <a:cs typeface="+mn-cs"/>
+      </a:defRPr>
+    </a:lvl8pPr>
+    <a:lvl9pPr marL="3657600" algn="l" defTabSz="914400" rtl="0" eaLnBrk="1" latinLnBrk="0" hangingPunct="1">
+      <a:defRPr sz="1200" kern="1200">
+        <a:solidFill>
+          <a:schemeClr val="tx1"/>
+        </a:solidFill>
+        <a:latin typeface="+mn-lt"/>
+        <a:ea typeface="+mn-ea"/>
+        <a:cs typeface="+mn-cs"/>
+      </a:defRPr>
+    </a:lvl9pPr>
+  </p:notesStyle>
+</p:notesMaster>
+</file>
+
+<file path=ppt/notesSlides/notesSlide1.xml><?xml version="1.0" encoding="utf-8"?>
+<p:notes xmlns:a="http://schemas.openxmlformats.org/drawingml/2006/main" xmlns:r="http://schemas.openxmlformats.org/officeDocument/2006/relationships" xmlns:p="http://schemas.openxmlformats.org/presentationml/2006/main">
+  <p:cSld>
+    <p:spTree>
+      <p:nvGrpSpPr>
+        <p:cNvPr id="1" name=""/>
+        <p:cNvGrpSpPr/>
+        <p:nvPr/>
+      </p:nvGrpSpPr>
+      <p:grpSpPr>
+        <a:xfrm>
+          <a:off x="0" y="0"/>
+          <a:ext cx="0" cy="0"/>
+          <a:chOff x="0" y="0"/>
+          <a:chExt cx="0" cy="0"/>
+        </a:xfrm>
+      </p:grpSpPr>
+      <p:sp>
+        <p:nvSpPr>
+          <p:cNvPr id="2" name="Slide Image Placeholder 1"/>
+          <p:cNvSpPr>
+            <a:spLocks noGrp="1" noRot="1" noChangeAspect="1"/>
+          </p:cNvSpPr>
+          <p:nvPr>
+            <p:ph type="sldImg"/>
+          </p:nvPr>
+        </p:nvSpPr>
+        <p:spPr/>
+      </p:sp>
+      <p:sp>
+        <p:nvSpPr>
+          <p:cNvPr id="3" name="Notes Placeholder 2"/>
+          <p:cNvSpPr>
+            <a:spLocks noGrp="1"/>
+          </p:cNvSpPr>
+          <p:nvPr>
+            <p:ph type="body" idx="1"/>
+          </p:nvPr>
+        </p:nvSpPr>
+        <p:spPr/>
+        <p:txBody>
+          <a:bodyPr/>
+          <a:lstStyle/>
+          <a:p>
+            <a:endParaRPr lang="en-US" dirty="0"/>
+          </a:p>
+        </p:txBody>
+      </p:sp>
+      <p:sp>
+        <p:nvSpPr>
+          <p:cNvPr id="4" name="Slide Number Placeholder 3"/>
+          <p:cNvSpPr>
+            <a:spLocks noGrp="1"/>
+          </p:cNvSpPr>
+          <p:nvPr>
+            <p:ph type="sldNum" sz="quarter" idx="5"/>
+          </p:nvPr>
+        </p:nvSpPr>
+        <p:spPr/>
+        <p:txBody>
+          <a:bodyPr/>
+          <a:lstStyle/>
+          <a:p>
+            <a:fld id="{586BE456-C2DB-4EBD-9A12-AC71EF577D04}" type="slidenum">
+              <a:rPr lang="en-US" smtClean="0"/>
+              <a:t>12</a:t>
+            </a:fld>
+            <a:endParaRPr lang="en-US"/>
+          </a:p>
+        </p:txBody>
+      </p:sp>
+    </p:spTree>
+    <p:extLst>
+      <p:ext uri="{BB962C8B-B14F-4D97-AF65-F5344CB8AC3E}">
+        <p14:creationId xmlns:p14="http://schemas.microsoft.com/office/powerpoint/2010/main" val="4073371473"/>
+      </p:ext>
+    </p:extLst>
+  </p:cSld>
+  <p:clrMapOvr>
+    <a:masterClrMapping/>
+  </p:clrMapOvr>
+</p:notes>
+</file>
+
+<file path=ppt/notesSlides/notesSlide2.xml><?xml version="1.0" encoding="utf-8"?>
+<p:notes xmlns:a="http://schemas.openxmlformats.org/drawingml/2006/main" xmlns:r="http://schemas.openxmlformats.org/officeDocument/2006/relationships" xmlns:p="http://schemas.openxmlformats.org/presentationml/2006/main">
+  <p:cSld>
+    <p:spTree>
+      <p:nvGrpSpPr>
+        <p:cNvPr id="1" name=""/>
+        <p:cNvGrpSpPr/>
+        <p:nvPr/>
+      </p:nvGrpSpPr>
+      <p:grpSpPr>
+        <a:xfrm>
+          <a:off x="0" y="0"/>
+          <a:ext cx="0" cy="0"/>
+          <a:chOff x="0" y="0"/>
+          <a:chExt cx="0" cy="0"/>
+        </a:xfrm>
+      </p:grpSpPr>
+      <p:sp>
+        <p:nvSpPr>
+          <p:cNvPr id="2" name="Slide Image Placeholder 1"/>
+          <p:cNvSpPr>
+            <a:spLocks noGrp="1" noRot="1" noChangeAspect="1"/>
+          </p:cNvSpPr>
+          <p:nvPr>
+            <p:ph type="sldImg"/>
+          </p:nvPr>
+        </p:nvSpPr>
+        <p:spPr/>
+      </p:sp>
+      <p:sp>
+        <p:nvSpPr>
+          <p:cNvPr id="3" name="Notes Placeholder 2"/>
+          <p:cNvSpPr>
+            <a:spLocks noGrp="1"/>
+          </p:cNvSpPr>
+          <p:nvPr>
+            <p:ph type="body" idx="1"/>
+          </p:nvPr>
+        </p:nvSpPr>
+        <p:spPr/>
+        <p:txBody>
+          <a:bodyPr/>
+          <a:lstStyle/>
+          <a:p>
+            <a:endParaRPr lang="en-US" dirty="0"/>
+          </a:p>
+        </p:txBody>
+      </p:sp>
+      <p:sp>
+        <p:nvSpPr>
+          <p:cNvPr id="4" name="Slide Number Placeholder 3"/>
+          <p:cNvSpPr>
+            <a:spLocks noGrp="1"/>
+          </p:cNvSpPr>
+          <p:nvPr>
+            <p:ph type="sldNum" sz="quarter" idx="5"/>
+          </p:nvPr>
+        </p:nvSpPr>
+        <p:spPr/>
+        <p:txBody>
+          <a:bodyPr/>
+          <a:lstStyle/>
+          <a:p>
+            <a:fld id="{586BE456-C2DB-4EBD-9A12-AC71EF577D04}" type="slidenum">
+              <a:rPr lang="en-US" smtClean="0"/>
+              <a:t>13</a:t>
+            </a:fld>
+            <a:endParaRPr lang="en-US"/>
+          </a:p>
+        </p:txBody>
+      </p:sp>
+    </p:spTree>
+    <p:extLst>
+      <p:ext uri="{BB962C8B-B14F-4D97-AF65-F5344CB8AC3E}">
+        <p14:creationId xmlns:p14="http://schemas.microsoft.com/office/powerpoint/2010/main" val="4110663364"/>
+      </p:ext>
+    </p:extLst>
+  </p:cSld>
+  <p:clrMapOvr>
+    <a:masterClrMapping/>
+  </p:clrMapOvr>
+</p:notes>
+</file>
+
 <file path=ppt/slideLayouts/slideLayout1.xml><?xml version="1.0" encoding="utf-8"?>
 <p:sldLayout xmlns:a="http://schemas.openxmlformats.org/drawingml/2006/main" xmlns:r="http://schemas.openxmlformats.org/officeDocument/2006/relationships" xmlns:p="http://schemas.openxmlformats.org/presentationml/2006/main" type="title" preserve="1">
   <p:cSld name="Title Slide">
@@ -278,7 +791,7 @@
           <a:p>
             <a:fld id="{ADFDDA04-48F6-4B8B-AF8F-18AB2B4D8D83}" type="datetimeFigureOut">
               <a:rPr lang="en-US" smtClean="0"/>
-              <a:t>01-May-22</a:t>
+              <a:t>02-May-22</a:t>
             </a:fld>
             <a:endParaRPr lang="en-US"/>
           </a:p>
@@ -476,7 +989,7 @@
           <a:p>
             <a:fld id="{ADFDDA04-48F6-4B8B-AF8F-18AB2B4D8D83}" type="datetimeFigureOut">
               <a:rPr lang="en-US" smtClean="0"/>
-              <a:t>01-May-22</a:t>
+              <a:t>02-May-22</a:t>
             </a:fld>
             <a:endParaRPr lang="en-US"/>
           </a:p>
@@ -684,7 +1197,7 @@
           <a:p>
             <a:fld id="{ADFDDA04-48F6-4B8B-AF8F-18AB2B4D8D83}" type="datetimeFigureOut">
               <a:rPr lang="en-US" smtClean="0"/>
-              <a:t>01-May-22</a:t>
+              <a:t>02-May-22</a:t>
             </a:fld>
             <a:endParaRPr lang="en-US"/>
           </a:p>
@@ -882,7 +1395,7 @@
           <a:p>
             <a:fld id="{ADFDDA04-48F6-4B8B-AF8F-18AB2B4D8D83}" type="datetimeFigureOut">
               <a:rPr lang="en-US" smtClean="0"/>
-              <a:t>01-May-22</a:t>
+              <a:t>02-May-22</a:t>
             </a:fld>
             <a:endParaRPr lang="en-US"/>
           </a:p>
@@ -1157,7 +1670,7 @@
           <a:p>
             <a:fld id="{ADFDDA04-48F6-4B8B-AF8F-18AB2B4D8D83}" type="datetimeFigureOut">
               <a:rPr lang="en-US" smtClean="0"/>
-              <a:t>01-May-22</a:t>
+              <a:t>02-May-22</a:t>
             </a:fld>
             <a:endParaRPr lang="en-US"/>
           </a:p>
@@ -1422,7 +1935,7 @@
           <a:p>
             <a:fld id="{ADFDDA04-48F6-4B8B-AF8F-18AB2B4D8D83}" type="datetimeFigureOut">
               <a:rPr lang="en-US" smtClean="0"/>
-              <a:t>01-May-22</a:t>
+              <a:t>02-May-22</a:t>
             </a:fld>
             <a:endParaRPr lang="en-US"/>
           </a:p>
@@ -1834,7 +2347,7 @@
           <a:p>
             <a:fld id="{ADFDDA04-48F6-4B8B-AF8F-18AB2B4D8D83}" type="datetimeFigureOut">
               <a:rPr lang="en-US" smtClean="0"/>
-              <a:t>01-May-22</a:t>
+              <a:t>02-May-22</a:t>
             </a:fld>
             <a:endParaRPr lang="en-US"/>
           </a:p>
@@ -1975,7 +2488,7 @@
           <a:p>
             <a:fld id="{ADFDDA04-48F6-4B8B-AF8F-18AB2B4D8D83}" type="datetimeFigureOut">
               <a:rPr lang="en-US" smtClean="0"/>
-              <a:t>01-May-22</a:t>
+              <a:t>02-May-22</a:t>
             </a:fld>
             <a:endParaRPr lang="en-US"/>
           </a:p>
@@ -2088,7 +2601,7 @@
           <a:p>
             <a:fld id="{ADFDDA04-48F6-4B8B-AF8F-18AB2B4D8D83}" type="datetimeFigureOut">
               <a:rPr lang="en-US" smtClean="0"/>
-              <a:t>01-May-22</a:t>
+              <a:t>02-May-22</a:t>
             </a:fld>
             <a:endParaRPr lang="en-US"/>
           </a:p>
@@ -2399,7 +2912,7 @@
           <a:p>
             <a:fld id="{ADFDDA04-48F6-4B8B-AF8F-18AB2B4D8D83}" type="datetimeFigureOut">
               <a:rPr lang="en-US" smtClean="0"/>
-              <a:t>01-May-22</a:t>
+              <a:t>02-May-22</a:t>
             </a:fld>
             <a:endParaRPr lang="en-US"/>
           </a:p>
@@ -2690,7 +3203,7 @@
           <a:p>
             <a:fld id="{ADFDDA04-48F6-4B8B-AF8F-18AB2B4D8D83}" type="datetimeFigureOut">
               <a:rPr lang="en-US" smtClean="0"/>
-              <a:t>01-May-22</a:t>
+              <a:t>02-May-22</a:t>
             </a:fld>
             <a:endParaRPr lang="en-US"/>
           </a:p>
@@ -2931,7 +3444,7 @@
           <a:p>
             <a:fld id="{ADFDDA04-48F6-4B8B-AF8F-18AB2B4D8D83}" type="datetimeFigureOut">
               <a:rPr lang="en-US" smtClean="0"/>
-              <a:t>01-May-22</a:t>
+              <a:t>02-May-22</a:t>
             </a:fld>
             <a:endParaRPr lang="en-US"/>
           </a:p>
@@ -3535,7 +4048,7 @@
               </a:rPr>
             </a:br>
             <a:r>
-              <a:rPr lang="bg-BG" sz="6600" b="1" i="1" dirty="0">
+              <a:rPr lang="bg-BG" sz="6600" b="1" i="1" strike="sngStrike" dirty="0">
                 <a:ln w="19050">
                   <a:solidFill>
                     <a:schemeClr val="tx1"/>
@@ -3549,7 +4062,7 @@
               <a:t>(в </a:t>
             </a:r>
             <a:r>
-              <a:rPr lang="en-US" sz="6600" b="1" i="1" dirty="0">
+              <a:rPr lang="en-US" sz="6600" b="1" i="1" strike="sngStrike" dirty="0">
                 <a:ln w="19050">
                   <a:solidFill>
                     <a:schemeClr val="tx1"/>
@@ -3674,7 +4187,7 @@
                 </a:solidFill>
                 <a:latin typeface="Arial Black" panose="020B0A04020102020204" pitchFamily="34" charset="0"/>
               </a:rPr>
-              <a:t>Верига отговорности</a:t>
+              <a:t>Стратегия</a:t>
             </a:r>
             <a:endParaRPr lang="en-US" b="1" i="1" dirty="0">
               <a:ln w="19050">
@@ -3690,10 +4203,45 @@
           </a:p>
         </p:txBody>
       </p:sp>
+      <p:pic>
+        <p:nvPicPr>
+          <p:cNvPr id="3" name="Picture 2">
+            <a:extLst>
+              <a:ext uri="{FF2B5EF4-FFF2-40B4-BE49-F238E27FC236}">
+                <a16:creationId xmlns:a16="http://schemas.microsoft.com/office/drawing/2014/main" id="{120E27F4-A004-44D0-B53B-B5D3AAF77E23}"/>
+              </a:ext>
+            </a:extLst>
+          </p:cNvPr>
+          <p:cNvPicPr>
+            <a:picLocks noChangeAspect="1"/>
+          </p:cNvPicPr>
+          <p:nvPr/>
+        </p:nvPicPr>
+        <p:blipFill>
+          <a:blip r:embed="rId3">
+            <a:extLst>
+              <a:ext uri="{28A0092B-C50C-407E-A947-70E740481C1C}">
+                <a14:useLocalDpi xmlns:a14="http://schemas.microsoft.com/office/drawing/2010/main" val="0"/>
+              </a:ext>
+            </a:extLst>
+          </a:blip>
+          <a:srcRect/>
+          <a:stretch/>
+        </p:blipFill>
+        <p:spPr>
+          <a:xfrm>
+            <a:off x="3048000" y="2253673"/>
+            <a:ext cx="6096000" cy="3810000"/>
+          </a:xfrm>
+          <a:prstGeom prst="rect">
+            <a:avLst/>
+          </a:prstGeom>
+        </p:spPr>
+      </p:pic>
     </p:spTree>
     <p:extLst>
       <p:ext uri="{BB962C8B-B14F-4D97-AF65-F5344CB8AC3E}">
-        <p14:creationId xmlns:p14="http://schemas.microsoft.com/office/powerpoint/2010/main" val="1324594461"/>
+        <p14:creationId xmlns:p14="http://schemas.microsoft.com/office/powerpoint/2010/main" val="2523602343"/>
       </p:ext>
     </p:extLst>
   </p:cSld>
@@ -3799,7 +4347,7 @@
                 </a:solidFill>
                 <a:latin typeface="Arial Black" panose="020B0A04020102020204" pitchFamily="34" charset="0"/>
               </a:rPr>
-              <a:t>Верига отговорности</a:t>
+              <a:t>Шаблонен метод</a:t>
             </a:r>
             <a:endParaRPr lang="en-US" b="1" i="1" dirty="0">
               <a:ln w="19050">
@@ -3815,10 +4363,45 @@
           </a:p>
         </p:txBody>
       </p:sp>
+      <p:pic>
+        <p:nvPicPr>
+          <p:cNvPr id="3" name="Picture 2">
+            <a:extLst>
+              <a:ext uri="{FF2B5EF4-FFF2-40B4-BE49-F238E27FC236}">
+                <a16:creationId xmlns:a16="http://schemas.microsoft.com/office/drawing/2014/main" id="{120E27F4-A004-44D0-B53B-B5D3AAF77E23}"/>
+              </a:ext>
+            </a:extLst>
+          </p:cNvPr>
+          <p:cNvPicPr>
+            <a:picLocks noChangeAspect="1"/>
+          </p:cNvPicPr>
+          <p:nvPr/>
+        </p:nvPicPr>
+        <p:blipFill>
+          <a:blip r:embed="rId3">
+            <a:extLst>
+              <a:ext uri="{28A0092B-C50C-407E-A947-70E740481C1C}">
+                <a14:useLocalDpi xmlns:a14="http://schemas.microsoft.com/office/drawing/2010/main" val="0"/>
+              </a:ext>
+            </a:extLst>
+          </a:blip>
+          <a:srcRect/>
+          <a:stretch/>
+        </p:blipFill>
+        <p:spPr>
+          <a:xfrm>
+            <a:off x="3048000" y="2253673"/>
+            <a:ext cx="6096000" cy="3810000"/>
+          </a:xfrm>
+          <a:prstGeom prst="rect">
+            <a:avLst/>
+          </a:prstGeom>
+        </p:spPr>
+      </p:pic>
     </p:spTree>
     <p:extLst>
       <p:ext uri="{BB962C8B-B14F-4D97-AF65-F5344CB8AC3E}">
-        <p14:creationId xmlns:p14="http://schemas.microsoft.com/office/powerpoint/2010/main" val="1768107858"/>
+        <p14:creationId xmlns:p14="http://schemas.microsoft.com/office/powerpoint/2010/main" val="2590041276"/>
       </p:ext>
     </p:extLst>
   </p:cSld>
@@ -3860,7 +4443,7 @@
           <p:nvPr/>
         </p:nvPicPr>
         <p:blipFill>
-          <a:blip r:embed="rId2">
+          <a:blip r:embed="rId3">
             <a:extLst>
               <a:ext uri="{28A0092B-C50C-407E-A947-70E740481C1C}">
                 <a14:useLocalDpi xmlns:a14="http://schemas.microsoft.com/office/drawing/2010/main" val="0"/>
@@ -3873,7 +4456,7 @@
         </p:blipFill>
         <p:spPr>
           <a:xfrm>
-            <a:off x="-568037" y="156173"/>
+            <a:off x="-568037" y="59962"/>
             <a:ext cx="13328074" cy="1483207"/>
           </a:xfrm>
           <a:prstGeom prst="rect">
@@ -3913,7 +4496,7 @@
           <a:lstStyle/>
           <a:p>
             <a:r>
-              <a:rPr lang="bg-BG" b="1" i="1" dirty="0">
+              <a:rPr lang="bg-BG" b="1" i="1">
                 <a:ln w="19050">
                   <a:solidFill>
                     <a:schemeClr val="tx1"/>
@@ -3924,7 +4507,7 @@
                 </a:solidFill>
                 <a:latin typeface="Arial Black" panose="020B0A04020102020204" pitchFamily="34" charset="0"/>
               </a:rPr>
-              <a:t>Верига отговорности</a:t>
+              <a:t>Посетител</a:t>
             </a:r>
             <a:endParaRPr lang="en-US" b="1" i="1" dirty="0">
               <a:ln w="19050">
@@ -3940,10 +4523,45 @@
           </a:p>
         </p:txBody>
       </p:sp>
+      <p:pic>
+        <p:nvPicPr>
+          <p:cNvPr id="3" name="Picture 2">
+            <a:extLst>
+              <a:ext uri="{FF2B5EF4-FFF2-40B4-BE49-F238E27FC236}">
+                <a16:creationId xmlns:a16="http://schemas.microsoft.com/office/drawing/2014/main" id="{120E27F4-A004-44D0-B53B-B5D3AAF77E23}"/>
+              </a:ext>
+            </a:extLst>
+          </p:cNvPr>
+          <p:cNvPicPr>
+            <a:picLocks noChangeAspect="1"/>
+          </p:cNvPicPr>
+          <p:nvPr/>
+        </p:nvPicPr>
+        <p:blipFill>
+          <a:blip r:embed="rId4">
+            <a:extLst>
+              <a:ext uri="{28A0092B-C50C-407E-A947-70E740481C1C}">
+                <a14:useLocalDpi xmlns:a14="http://schemas.microsoft.com/office/drawing/2010/main" val="0"/>
+              </a:ext>
+            </a:extLst>
+          </a:blip>
+          <a:srcRect/>
+          <a:stretch/>
+        </p:blipFill>
+        <p:spPr>
+          <a:xfrm>
+            <a:off x="3048000" y="2253673"/>
+            <a:ext cx="6096000" cy="3810000"/>
+          </a:xfrm>
+          <a:prstGeom prst="rect">
+            <a:avLst/>
+          </a:prstGeom>
+        </p:spPr>
+      </p:pic>
     </p:spTree>
     <p:extLst>
       <p:ext uri="{BB962C8B-B14F-4D97-AF65-F5344CB8AC3E}">
-        <p14:creationId xmlns:p14="http://schemas.microsoft.com/office/powerpoint/2010/main" val="93059969"/>
+        <p14:creationId xmlns:p14="http://schemas.microsoft.com/office/powerpoint/2010/main" val="3408801831"/>
       </p:ext>
     </p:extLst>
   </p:cSld>
@@ -3970,855 +4588,54 @@
           <a:chExt cx="0" cy="0"/>
         </a:xfrm>
       </p:grpSpPr>
-      <p:pic>
-        <p:nvPicPr>
-          <p:cNvPr id="5" name="Picture 4">
-            <a:extLst>
-              <a:ext uri="{FF2B5EF4-FFF2-40B4-BE49-F238E27FC236}">
-                <a16:creationId xmlns:a16="http://schemas.microsoft.com/office/drawing/2014/main" id="{33C8BA57-9912-42BC-A5FA-33F3A33CF2E7}"/>
-              </a:ext>
-            </a:extLst>
-          </p:cNvPr>
-          <p:cNvPicPr>
-            <a:picLocks noChangeAspect="1"/>
-          </p:cNvPicPr>
-          <p:nvPr/>
-        </p:nvPicPr>
-        <p:blipFill>
-          <a:blip r:embed="rId2">
-            <a:extLst>
-              <a:ext uri="{28A0092B-C50C-407E-A947-70E740481C1C}">
-                <a14:useLocalDpi xmlns:a14="http://schemas.microsoft.com/office/drawing/2010/main" val="0"/>
-              </a:ext>
-            </a:extLst>
-          </a:blip>
-          <a:stretch>
-            <a:fillRect/>
-          </a:stretch>
-        </p:blipFill>
+      <p:sp>
+        <p:nvSpPr>
+          <p:cNvPr id="4" name="Title 3">
+            <a:extLst>
+              <a:ext uri="{FF2B5EF4-FFF2-40B4-BE49-F238E27FC236}">
+                <a16:creationId xmlns:a16="http://schemas.microsoft.com/office/drawing/2014/main" id="{3D3AF0B4-CBF2-8498-D528-20832617B291}"/>
+              </a:ext>
+            </a:extLst>
+          </p:cNvPr>
+          <p:cNvSpPr>
+            <a:spLocks noGrp="1"/>
+          </p:cNvSpPr>
+          <p:nvPr>
+            <p:ph type="ctrTitle"/>
+          </p:nvPr>
+        </p:nvSpPr>
         <p:spPr>
           <a:xfrm>
-            <a:off x="-568037" y="156173"/>
-            <a:ext cx="13328074" cy="1483207"/>
+            <a:off x="1524000" y="2235200"/>
+            <a:ext cx="9144000" cy="2387600"/>
           </a:xfrm>
-          <a:prstGeom prst="rect">
-            <a:avLst/>
-          </a:prstGeom>
         </p:spPr>
-      </p:pic>
-      <p:sp>
-        <p:nvSpPr>
-          <p:cNvPr id="11" name="Title 1">
-            <a:extLst>
-              <a:ext uri="{FF2B5EF4-FFF2-40B4-BE49-F238E27FC236}">
-                <a16:creationId xmlns:a16="http://schemas.microsoft.com/office/drawing/2014/main" id="{5596D7A3-0BD7-4024-BF8F-E006FAB1D0DE}"/>
-              </a:ext>
-            </a:extLst>
-          </p:cNvPr>
-          <p:cNvSpPr>
-            <a:spLocks noGrp="1"/>
-          </p:cNvSpPr>
-          <p:nvPr>
-            <p:ph type="ctrTitle"/>
-          </p:nvPr>
-        </p:nvSpPr>
-        <p:spPr>
-          <a:xfrm>
-            <a:off x="1010653" y="382402"/>
-            <a:ext cx="10170694" cy="1030747"/>
-          </a:xfrm>
-          <a:ln>
-            <a:noFill/>
-          </a:ln>
-        </p:spPr>
         <p:txBody>
           <a:bodyPr>
-            <a:noAutofit/>
+            <a:normAutofit fontScale="90000"/>
           </a:bodyPr>
           <a:lstStyle/>
           <a:p>
             <a:r>
-              <a:rPr lang="bg-BG" b="1" i="1" dirty="0">
-                <a:ln w="19050">
-                  <a:solidFill>
-                    <a:schemeClr val="tx1"/>
-                  </a:solidFill>
-                </a:ln>
-                <a:solidFill>
-                  <a:schemeClr val="bg1"/>
-                </a:solidFill>
-                <a:latin typeface="Arial Black" panose="020B0A04020102020204" pitchFamily="34" charset="0"/>
-              </a:rPr>
-              <a:t>Верига отговорности</a:t>
-            </a:r>
-            <a:endParaRPr lang="en-US" b="1" i="1" dirty="0">
-              <a:ln w="19050">
-                <a:solidFill>
-                  <a:schemeClr val="tx1"/>
-                </a:solidFill>
-              </a:ln>
-              <a:solidFill>
-                <a:schemeClr val="bg1"/>
-              </a:solidFill>
-              <a:latin typeface="Handel Gothic" pitchFamily="2" charset="0"/>
-            </a:endParaRPr>
+              <a:rPr lang="bg-BG" dirty="0"/>
+              <a:t>За повече инфо и имплементации в </a:t>
+            </a:r>
+            <a:r>
+              <a:rPr lang="en-US" dirty="0"/>
+              <a:t>php</a:t>
+            </a:r>
+            <a:r>
+              <a:rPr lang="bg-BG" dirty="0"/>
+              <a:t> -&gt; реферат 113</a:t>
+            </a:r>
+            <a:endParaRPr lang="en-US" dirty="0"/>
           </a:p>
         </p:txBody>
       </p:sp>
     </p:spTree>
     <p:extLst>
       <p:ext uri="{BB962C8B-B14F-4D97-AF65-F5344CB8AC3E}">
-        <p14:creationId xmlns:p14="http://schemas.microsoft.com/office/powerpoint/2010/main" val="503633631"/>
-      </p:ext>
-    </p:extLst>
-  </p:cSld>
-  <p:clrMapOvr>
-    <a:masterClrMapping/>
-  </p:clrMapOvr>
-</p:sld>
-</file>
-
-<file path=ppt/slides/slide14.xml><?xml version="1.0" encoding="utf-8"?>
-<p:sld xmlns:a="http://schemas.openxmlformats.org/drawingml/2006/main" xmlns:r="http://schemas.openxmlformats.org/officeDocument/2006/relationships" xmlns:p="http://schemas.openxmlformats.org/presentationml/2006/main">
-  <p:cSld>
-    <p:spTree>
-      <p:nvGrpSpPr>
-        <p:cNvPr id="1" name=""/>
-        <p:cNvGrpSpPr/>
-        <p:nvPr/>
-      </p:nvGrpSpPr>
-      <p:grpSpPr>
-        <a:xfrm>
-          <a:off x="0" y="0"/>
-          <a:ext cx="0" cy="0"/>
-          <a:chOff x="0" y="0"/>
-          <a:chExt cx="0" cy="0"/>
-        </a:xfrm>
-      </p:grpSpPr>
-      <p:pic>
-        <p:nvPicPr>
-          <p:cNvPr id="5" name="Picture 4">
-            <a:extLst>
-              <a:ext uri="{FF2B5EF4-FFF2-40B4-BE49-F238E27FC236}">
-                <a16:creationId xmlns:a16="http://schemas.microsoft.com/office/drawing/2014/main" id="{33C8BA57-9912-42BC-A5FA-33F3A33CF2E7}"/>
-              </a:ext>
-            </a:extLst>
-          </p:cNvPr>
-          <p:cNvPicPr>
-            <a:picLocks noChangeAspect="1"/>
-          </p:cNvPicPr>
-          <p:nvPr/>
-        </p:nvPicPr>
-        <p:blipFill>
-          <a:blip r:embed="rId2">
-            <a:extLst>
-              <a:ext uri="{28A0092B-C50C-407E-A947-70E740481C1C}">
-                <a14:useLocalDpi xmlns:a14="http://schemas.microsoft.com/office/drawing/2010/main" val="0"/>
-              </a:ext>
-            </a:extLst>
-          </a:blip>
-          <a:stretch>
-            <a:fillRect/>
-          </a:stretch>
-        </p:blipFill>
-        <p:spPr>
-          <a:xfrm>
-            <a:off x="-568037" y="156173"/>
-            <a:ext cx="13328074" cy="1483207"/>
-          </a:xfrm>
-          <a:prstGeom prst="rect">
-            <a:avLst/>
-          </a:prstGeom>
-        </p:spPr>
-      </p:pic>
-      <p:sp>
-        <p:nvSpPr>
-          <p:cNvPr id="11" name="Title 1">
-            <a:extLst>
-              <a:ext uri="{FF2B5EF4-FFF2-40B4-BE49-F238E27FC236}">
-                <a16:creationId xmlns:a16="http://schemas.microsoft.com/office/drawing/2014/main" id="{5596D7A3-0BD7-4024-BF8F-E006FAB1D0DE}"/>
-              </a:ext>
-            </a:extLst>
-          </p:cNvPr>
-          <p:cNvSpPr>
-            <a:spLocks noGrp="1"/>
-          </p:cNvSpPr>
-          <p:nvPr>
-            <p:ph type="ctrTitle"/>
-          </p:nvPr>
-        </p:nvSpPr>
-        <p:spPr>
-          <a:xfrm>
-            <a:off x="1010653" y="382402"/>
-            <a:ext cx="10170694" cy="1030747"/>
-          </a:xfrm>
-          <a:ln>
-            <a:noFill/>
-          </a:ln>
-        </p:spPr>
-        <p:txBody>
-          <a:bodyPr>
-            <a:noAutofit/>
-          </a:bodyPr>
-          <a:lstStyle/>
-          <a:p>
-            <a:r>
-              <a:rPr lang="bg-BG" b="1" i="1" dirty="0">
-                <a:ln w="19050">
-                  <a:solidFill>
-                    <a:schemeClr val="tx1"/>
-                  </a:solidFill>
-                </a:ln>
-                <a:solidFill>
-                  <a:schemeClr val="bg1"/>
-                </a:solidFill>
-                <a:latin typeface="Arial Black" panose="020B0A04020102020204" pitchFamily="34" charset="0"/>
-              </a:rPr>
-              <a:t>Верига отговорности</a:t>
-            </a:r>
-            <a:endParaRPr lang="en-US" b="1" i="1" dirty="0">
-              <a:ln w="19050">
-                <a:solidFill>
-                  <a:schemeClr val="tx1"/>
-                </a:solidFill>
-              </a:ln>
-              <a:solidFill>
-                <a:schemeClr val="bg1"/>
-              </a:solidFill>
-              <a:latin typeface="Handel Gothic" pitchFamily="2" charset="0"/>
-            </a:endParaRPr>
-          </a:p>
-        </p:txBody>
-      </p:sp>
-    </p:spTree>
-    <p:extLst>
-      <p:ext uri="{BB962C8B-B14F-4D97-AF65-F5344CB8AC3E}">
-        <p14:creationId xmlns:p14="http://schemas.microsoft.com/office/powerpoint/2010/main" val="1354964798"/>
-      </p:ext>
-    </p:extLst>
-  </p:cSld>
-  <p:clrMapOvr>
-    <a:masterClrMapping/>
-  </p:clrMapOvr>
-</p:sld>
-</file>
-
-<file path=ppt/slides/slide15.xml><?xml version="1.0" encoding="utf-8"?>
-<p:sld xmlns:a="http://schemas.openxmlformats.org/drawingml/2006/main" xmlns:r="http://schemas.openxmlformats.org/officeDocument/2006/relationships" xmlns:p="http://schemas.openxmlformats.org/presentationml/2006/main">
-  <p:cSld>
-    <p:spTree>
-      <p:nvGrpSpPr>
-        <p:cNvPr id="1" name=""/>
-        <p:cNvGrpSpPr/>
-        <p:nvPr/>
-      </p:nvGrpSpPr>
-      <p:grpSpPr>
-        <a:xfrm>
-          <a:off x="0" y="0"/>
-          <a:ext cx="0" cy="0"/>
-          <a:chOff x="0" y="0"/>
-          <a:chExt cx="0" cy="0"/>
-        </a:xfrm>
-      </p:grpSpPr>
-      <p:pic>
-        <p:nvPicPr>
-          <p:cNvPr id="5" name="Picture 4">
-            <a:extLst>
-              <a:ext uri="{FF2B5EF4-FFF2-40B4-BE49-F238E27FC236}">
-                <a16:creationId xmlns:a16="http://schemas.microsoft.com/office/drawing/2014/main" id="{33C8BA57-9912-42BC-A5FA-33F3A33CF2E7}"/>
-              </a:ext>
-            </a:extLst>
-          </p:cNvPr>
-          <p:cNvPicPr>
-            <a:picLocks noChangeAspect="1"/>
-          </p:cNvPicPr>
-          <p:nvPr/>
-        </p:nvPicPr>
-        <p:blipFill>
-          <a:blip r:embed="rId2">
-            <a:extLst>
-              <a:ext uri="{28A0092B-C50C-407E-A947-70E740481C1C}">
-                <a14:useLocalDpi xmlns:a14="http://schemas.microsoft.com/office/drawing/2010/main" val="0"/>
-              </a:ext>
-            </a:extLst>
-          </a:blip>
-          <a:stretch>
-            <a:fillRect/>
-          </a:stretch>
-        </p:blipFill>
-        <p:spPr>
-          <a:xfrm>
-            <a:off x="-568037" y="156173"/>
-            <a:ext cx="13328074" cy="1483207"/>
-          </a:xfrm>
-          <a:prstGeom prst="rect">
-            <a:avLst/>
-          </a:prstGeom>
-        </p:spPr>
-      </p:pic>
-      <p:sp>
-        <p:nvSpPr>
-          <p:cNvPr id="11" name="Title 1">
-            <a:extLst>
-              <a:ext uri="{FF2B5EF4-FFF2-40B4-BE49-F238E27FC236}">
-                <a16:creationId xmlns:a16="http://schemas.microsoft.com/office/drawing/2014/main" id="{5596D7A3-0BD7-4024-BF8F-E006FAB1D0DE}"/>
-              </a:ext>
-            </a:extLst>
-          </p:cNvPr>
-          <p:cNvSpPr>
-            <a:spLocks noGrp="1"/>
-          </p:cNvSpPr>
-          <p:nvPr>
-            <p:ph type="ctrTitle"/>
-          </p:nvPr>
-        </p:nvSpPr>
-        <p:spPr>
-          <a:xfrm>
-            <a:off x="1010653" y="382402"/>
-            <a:ext cx="10170694" cy="1030747"/>
-          </a:xfrm>
-          <a:ln>
-            <a:noFill/>
-          </a:ln>
-        </p:spPr>
-        <p:txBody>
-          <a:bodyPr>
-            <a:noAutofit/>
-          </a:bodyPr>
-          <a:lstStyle/>
-          <a:p>
-            <a:r>
-              <a:rPr lang="bg-BG" b="1" i="1" dirty="0">
-                <a:ln w="19050">
-                  <a:solidFill>
-                    <a:schemeClr val="tx1"/>
-                  </a:solidFill>
-                </a:ln>
-                <a:solidFill>
-                  <a:schemeClr val="bg1"/>
-                </a:solidFill>
-                <a:latin typeface="Arial Black" panose="020B0A04020102020204" pitchFamily="34" charset="0"/>
-              </a:rPr>
-              <a:t>Верига отговорности</a:t>
-            </a:r>
-            <a:endParaRPr lang="en-US" b="1" i="1" dirty="0">
-              <a:ln w="19050">
-                <a:solidFill>
-                  <a:schemeClr val="tx1"/>
-                </a:solidFill>
-              </a:ln>
-              <a:solidFill>
-                <a:schemeClr val="bg1"/>
-              </a:solidFill>
-              <a:latin typeface="Handel Gothic" pitchFamily="2" charset="0"/>
-            </a:endParaRPr>
-          </a:p>
-        </p:txBody>
-      </p:sp>
-    </p:spTree>
-    <p:extLst>
-      <p:ext uri="{BB962C8B-B14F-4D97-AF65-F5344CB8AC3E}">
-        <p14:creationId xmlns:p14="http://schemas.microsoft.com/office/powerpoint/2010/main" val="264259109"/>
-      </p:ext>
-    </p:extLst>
-  </p:cSld>
-  <p:clrMapOvr>
-    <a:masterClrMapping/>
-  </p:clrMapOvr>
-</p:sld>
-</file>
-
-<file path=ppt/slides/slide16.xml><?xml version="1.0" encoding="utf-8"?>
-<p:sld xmlns:a="http://schemas.openxmlformats.org/drawingml/2006/main" xmlns:r="http://schemas.openxmlformats.org/officeDocument/2006/relationships" xmlns:p="http://schemas.openxmlformats.org/presentationml/2006/main">
-  <p:cSld>
-    <p:spTree>
-      <p:nvGrpSpPr>
-        <p:cNvPr id="1" name=""/>
-        <p:cNvGrpSpPr/>
-        <p:nvPr/>
-      </p:nvGrpSpPr>
-      <p:grpSpPr>
-        <a:xfrm>
-          <a:off x="0" y="0"/>
-          <a:ext cx="0" cy="0"/>
-          <a:chOff x="0" y="0"/>
-          <a:chExt cx="0" cy="0"/>
-        </a:xfrm>
-      </p:grpSpPr>
-      <p:pic>
-        <p:nvPicPr>
-          <p:cNvPr id="5" name="Picture 4">
-            <a:extLst>
-              <a:ext uri="{FF2B5EF4-FFF2-40B4-BE49-F238E27FC236}">
-                <a16:creationId xmlns:a16="http://schemas.microsoft.com/office/drawing/2014/main" id="{33C8BA57-9912-42BC-A5FA-33F3A33CF2E7}"/>
-              </a:ext>
-            </a:extLst>
-          </p:cNvPr>
-          <p:cNvPicPr>
-            <a:picLocks noChangeAspect="1"/>
-          </p:cNvPicPr>
-          <p:nvPr/>
-        </p:nvPicPr>
-        <p:blipFill>
-          <a:blip r:embed="rId2">
-            <a:extLst>
-              <a:ext uri="{28A0092B-C50C-407E-A947-70E740481C1C}">
-                <a14:useLocalDpi xmlns:a14="http://schemas.microsoft.com/office/drawing/2010/main" val="0"/>
-              </a:ext>
-            </a:extLst>
-          </a:blip>
-          <a:stretch>
-            <a:fillRect/>
-          </a:stretch>
-        </p:blipFill>
-        <p:spPr>
-          <a:xfrm>
-            <a:off x="-568037" y="156173"/>
-            <a:ext cx="13328074" cy="1483207"/>
-          </a:xfrm>
-          <a:prstGeom prst="rect">
-            <a:avLst/>
-          </a:prstGeom>
-        </p:spPr>
-      </p:pic>
-      <p:sp>
-        <p:nvSpPr>
-          <p:cNvPr id="11" name="Title 1">
-            <a:extLst>
-              <a:ext uri="{FF2B5EF4-FFF2-40B4-BE49-F238E27FC236}">
-                <a16:creationId xmlns:a16="http://schemas.microsoft.com/office/drawing/2014/main" id="{5596D7A3-0BD7-4024-BF8F-E006FAB1D0DE}"/>
-              </a:ext>
-            </a:extLst>
-          </p:cNvPr>
-          <p:cNvSpPr>
-            <a:spLocks noGrp="1"/>
-          </p:cNvSpPr>
-          <p:nvPr>
-            <p:ph type="ctrTitle"/>
-          </p:nvPr>
-        </p:nvSpPr>
-        <p:spPr>
-          <a:xfrm>
-            <a:off x="1010653" y="382402"/>
-            <a:ext cx="10170694" cy="1030747"/>
-          </a:xfrm>
-          <a:ln>
-            <a:noFill/>
-          </a:ln>
-        </p:spPr>
-        <p:txBody>
-          <a:bodyPr>
-            <a:noAutofit/>
-          </a:bodyPr>
-          <a:lstStyle/>
-          <a:p>
-            <a:r>
-              <a:rPr lang="bg-BG" b="1" i="1" dirty="0">
-                <a:ln w="19050">
-                  <a:solidFill>
-                    <a:schemeClr val="tx1"/>
-                  </a:solidFill>
-                </a:ln>
-                <a:solidFill>
-                  <a:schemeClr val="bg1"/>
-                </a:solidFill>
-                <a:latin typeface="Arial Black" panose="020B0A04020102020204" pitchFamily="34" charset="0"/>
-              </a:rPr>
-              <a:t>Верига отговорности</a:t>
-            </a:r>
-            <a:endParaRPr lang="en-US" b="1" i="1" dirty="0">
-              <a:ln w="19050">
-                <a:solidFill>
-                  <a:schemeClr val="tx1"/>
-                </a:solidFill>
-              </a:ln>
-              <a:solidFill>
-                <a:schemeClr val="bg1"/>
-              </a:solidFill>
-              <a:latin typeface="Handel Gothic" pitchFamily="2" charset="0"/>
-            </a:endParaRPr>
-          </a:p>
-        </p:txBody>
-      </p:sp>
-    </p:spTree>
-    <p:extLst>
-      <p:ext uri="{BB962C8B-B14F-4D97-AF65-F5344CB8AC3E}">
-        <p14:creationId xmlns:p14="http://schemas.microsoft.com/office/powerpoint/2010/main" val="511463743"/>
-      </p:ext>
-    </p:extLst>
-  </p:cSld>
-  <p:clrMapOvr>
-    <a:masterClrMapping/>
-  </p:clrMapOvr>
-</p:sld>
-</file>
-
-<file path=ppt/slides/slide17.xml><?xml version="1.0" encoding="utf-8"?>
-<p:sld xmlns:a="http://schemas.openxmlformats.org/drawingml/2006/main" xmlns:r="http://schemas.openxmlformats.org/officeDocument/2006/relationships" xmlns:p="http://schemas.openxmlformats.org/presentationml/2006/main">
-  <p:cSld>
-    <p:spTree>
-      <p:nvGrpSpPr>
-        <p:cNvPr id="1" name=""/>
-        <p:cNvGrpSpPr/>
-        <p:nvPr/>
-      </p:nvGrpSpPr>
-      <p:grpSpPr>
-        <a:xfrm>
-          <a:off x="0" y="0"/>
-          <a:ext cx="0" cy="0"/>
-          <a:chOff x="0" y="0"/>
-          <a:chExt cx="0" cy="0"/>
-        </a:xfrm>
-      </p:grpSpPr>
-      <p:pic>
-        <p:nvPicPr>
-          <p:cNvPr id="5" name="Picture 4">
-            <a:extLst>
-              <a:ext uri="{FF2B5EF4-FFF2-40B4-BE49-F238E27FC236}">
-                <a16:creationId xmlns:a16="http://schemas.microsoft.com/office/drawing/2014/main" id="{33C8BA57-9912-42BC-A5FA-33F3A33CF2E7}"/>
-              </a:ext>
-            </a:extLst>
-          </p:cNvPr>
-          <p:cNvPicPr>
-            <a:picLocks noChangeAspect="1"/>
-          </p:cNvPicPr>
-          <p:nvPr/>
-        </p:nvPicPr>
-        <p:blipFill>
-          <a:blip r:embed="rId2">
-            <a:extLst>
-              <a:ext uri="{28A0092B-C50C-407E-A947-70E740481C1C}">
-                <a14:useLocalDpi xmlns:a14="http://schemas.microsoft.com/office/drawing/2010/main" val="0"/>
-              </a:ext>
-            </a:extLst>
-          </a:blip>
-          <a:stretch>
-            <a:fillRect/>
-          </a:stretch>
-        </p:blipFill>
-        <p:spPr>
-          <a:xfrm>
-            <a:off x="-568037" y="156173"/>
-            <a:ext cx="13328074" cy="1483207"/>
-          </a:xfrm>
-          <a:prstGeom prst="rect">
-            <a:avLst/>
-          </a:prstGeom>
-        </p:spPr>
-      </p:pic>
-      <p:sp>
-        <p:nvSpPr>
-          <p:cNvPr id="11" name="Title 1">
-            <a:extLst>
-              <a:ext uri="{FF2B5EF4-FFF2-40B4-BE49-F238E27FC236}">
-                <a16:creationId xmlns:a16="http://schemas.microsoft.com/office/drawing/2014/main" id="{5596D7A3-0BD7-4024-BF8F-E006FAB1D0DE}"/>
-              </a:ext>
-            </a:extLst>
-          </p:cNvPr>
-          <p:cNvSpPr>
-            <a:spLocks noGrp="1"/>
-          </p:cNvSpPr>
-          <p:nvPr>
-            <p:ph type="ctrTitle"/>
-          </p:nvPr>
-        </p:nvSpPr>
-        <p:spPr>
-          <a:xfrm>
-            <a:off x="1010653" y="382402"/>
-            <a:ext cx="10170694" cy="1030747"/>
-          </a:xfrm>
-          <a:ln>
-            <a:noFill/>
-          </a:ln>
-        </p:spPr>
-        <p:txBody>
-          <a:bodyPr>
-            <a:noAutofit/>
-          </a:bodyPr>
-          <a:lstStyle/>
-          <a:p>
-            <a:r>
-              <a:rPr lang="bg-BG" b="1" i="1" dirty="0">
-                <a:ln w="19050">
-                  <a:solidFill>
-                    <a:schemeClr val="tx1"/>
-                  </a:solidFill>
-                </a:ln>
-                <a:solidFill>
-                  <a:schemeClr val="bg1"/>
-                </a:solidFill>
-                <a:latin typeface="Arial Black" panose="020B0A04020102020204" pitchFamily="34" charset="0"/>
-              </a:rPr>
-              <a:t>Верига отговорности</a:t>
-            </a:r>
-            <a:endParaRPr lang="en-US" b="1" i="1" dirty="0">
-              <a:ln w="19050">
-                <a:solidFill>
-                  <a:schemeClr val="tx1"/>
-                </a:solidFill>
-              </a:ln>
-              <a:solidFill>
-                <a:schemeClr val="bg1"/>
-              </a:solidFill>
-              <a:latin typeface="Handel Gothic" pitchFamily="2" charset="0"/>
-            </a:endParaRPr>
-          </a:p>
-        </p:txBody>
-      </p:sp>
-    </p:spTree>
-    <p:extLst>
-      <p:ext uri="{BB962C8B-B14F-4D97-AF65-F5344CB8AC3E}">
-        <p14:creationId xmlns:p14="http://schemas.microsoft.com/office/powerpoint/2010/main" val="1970035368"/>
-      </p:ext>
-    </p:extLst>
-  </p:cSld>
-  <p:clrMapOvr>
-    <a:masterClrMapping/>
-  </p:clrMapOvr>
-</p:sld>
-</file>
-
-<file path=ppt/slides/slide18.xml><?xml version="1.0" encoding="utf-8"?>
-<p:sld xmlns:a="http://schemas.openxmlformats.org/drawingml/2006/main" xmlns:r="http://schemas.openxmlformats.org/officeDocument/2006/relationships" xmlns:p="http://schemas.openxmlformats.org/presentationml/2006/main">
-  <p:cSld>
-    <p:spTree>
-      <p:nvGrpSpPr>
-        <p:cNvPr id="1" name=""/>
-        <p:cNvGrpSpPr/>
-        <p:nvPr/>
-      </p:nvGrpSpPr>
-      <p:grpSpPr>
-        <a:xfrm>
-          <a:off x="0" y="0"/>
-          <a:ext cx="0" cy="0"/>
-          <a:chOff x="0" y="0"/>
-          <a:chExt cx="0" cy="0"/>
-        </a:xfrm>
-      </p:grpSpPr>
-      <p:pic>
-        <p:nvPicPr>
-          <p:cNvPr id="5" name="Picture 4">
-            <a:extLst>
-              <a:ext uri="{FF2B5EF4-FFF2-40B4-BE49-F238E27FC236}">
-                <a16:creationId xmlns:a16="http://schemas.microsoft.com/office/drawing/2014/main" id="{33C8BA57-9912-42BC-A5FA-33F3A33CF2E7}"/>
-              </a:ext>
-            </a:extLst>
-          </p:cNvPr>
-          <p:cNvPicPr>
-            <a:picLocks noChangeAspect="1"/>
-          </p:cNvPicPr>
-          <p:nvPr/>
-        </p:nvPicPr>
-        <p:blipFill>
-          <a:blip r:embed="rId2">
-            <a:extLst>
-              <a:ext uri="{28A0092B-C50C-407E-A947-70E740481C1C}">
-                <a14:useLocalDpi xmlns:a14="http://schemas.microsoft.com/office/drawing/2010/main" val="0"/>
-              </a:ext>
-            </a:extLst>
-          </a:blip>
-          <a:stretch>
-            <a:fillRect/>
-          </a:stretch>
-        </p:blipFill>
-        <p:spPr>
-          <a:xfrm>
-            <a:off x="-568037" y="156173"/>
-            <a:ext cx="13328074" cy="1483207"/>
-          </a:xfrm>
-          <a:prstGeom prst="rect">
-            <a:avLst/>
-          </a:prstGeom>
-        </p:spPr>
-      </p:pic>
-      <p:sp>
-        <p:nvSpPr>
-          <p:cNvPr id="11" name="Title 1">
-            <a:extLst>
-              <a:ext uri="{FF2B5EF4-FFF2-40B4-BE49-F238E27FC236}">
-                <a16:creationId xmlns:a16="http://schemas.microsoft.com/office/drawing/2014/main" id="{5596D7A3-0BD7-4024-BF8F-E006FAB1D0DE}"/>
-              </a:ext>
-            </a:extLst>
-          </p:cNvPr>
-          <p:cNvSpPr>
-            <a:spLocks noGrp="1"/>
-          </p:cNvSpPr>
-          <p:nvPr>
-            <p:ph type="ctrTitle"/>
-          </p:nvPr>
-        </p:nvSpPr>
-        <p:spPr>
-          <a:xfrm>
-            <a:off x="1010653" y="382402"/>
-            <a:ext cx="10170694" cy="1030747"/>
-          </a:xfrm>
-          <a:ln>
-            <a:noFill/>
-          </a:ln>
-        </p:spPr>
-        <p:txBody>
-          <a:bodyPr>
-            <a:noAutofit/>
-          </a:bodyPr>
-          <a:lstStyle/>
-          <a:p>
-            <a:r>
-              <a:rPr lang="bg-BG" b="1" i="1" dirty="0">
-                <a:ln w="19050">
-                  <a:solidFill>
-                    <a:schemeClr val="tx1"/>
-                  </a:solidFill>
-                </a:ln>
-                <a:solidFill>
-                  <a:schemeClr val="bg1"/>
-                </a:solidFill>
-                <a:latin typeface="Arial Black" panose="020B0A04020102020204" pitchFamily="34" charset="0"/>
-              </a:rPr>
-              <a:t>Верига отговорности</a:t>
-            </a:r>
-            <a:endParaRPr lang="en-US" b="1" i="1" dirty="0">
-              <a:ln w="19050">
-                <a:solidFill>
-                  <a:schemeClr val="tx1"/>
-                </a:solidFill>
-              </a:ln>
-              <a:solidFill>
-                <a:schemeClr val="bg1"/>
-              </a:solidFill>
-              <a:latin typeface="Handel Gothic" pitchFamily="2" charset="0"/>
-            </a:endParaRPr>
-          </a:p>
-        </p:txBody>
-      </p:sp>
-    </p:spTree>
-    <p:extLst>
-      <p:ext uri="{BB962C8B-B14F-4D97-AF65-F5344CB8AC3E}">
-        <p14:creationId xmlns:p14="http://schemas.microsoft.com/office/powerpoint/2010/main" val="2282097497"/>
-      </p:ext>
-    </p:extLst>
-  </p:cSld>
-  <p:clrMapOvr>
-    <a:masterClrMapping/>
-  </p:clrMapOvr>
-</p:sld>
-</file>
-
-<file path=ppt/slides/slide19.xml><?xml version="1.0" encoding="utf-8"?>
-<p:sld xmlns:a="http://schemas.openxmlformats.org/drawingml/2006/main" xmlns:r="http://schemas.openxmlformats.org/officeDocument/2006/relationships" xmlns:p="http://schemas.openxmlformats.org/presentationml/2006/main">
-  <p:cSld>
-    <p:spTree>
-      <p:nvGrpSpPr>
-        <p:cNvPr id="1" name=""/>
-        <p:cNvGrpSpPr/>
-        <p:nvPr/>
-      </p:nvGrpSpPr>
-      <p:grpSpPr>
-        <a:xfrm>
-          <a:off x="0" y="0"/>
-          <a:ext cx="0" cy="0"/>
-          <a:chOff x="0" y="0"/>
-          <a:chExt cx="0" cy="0"/>
-        </a:xfrm>
-      </p:grpSpPr>
-      <p:pic>
-        <p:nvPicPr>
-          <p:cNvPr id="5" name="Picture 4">
-            <a:extLst>
-              <a:ext uri="{FF2B5EF4-FFF2-40B4-BE49-F238E27FC236}">
-                <a16:creationId xmlns:a16="http://schemas.microsoft.com/office/drawing/2014/main" id="{33C8BA57-9912-42BC-A5FA-33F3A33CF2E7}"/>
-              </a:ext>
-            </a:extLst>
-          </p:cNvPr>
-          <p:cNvPicPr>
-            <a:picLocks noChangeAspect="1"/>
-          </p:cNvPicPr>
-          <p:nvPr/>
-        </p:nvPicPr>
-        <p:blipFill>
-          <a:blip r:embed="rId2">
-            <a:extLst>
-              <a:ext uri="{28A0092B-C50C-407E-A947-70E740481C1C}">
-                <a14:useLocalDpi xmlns:a14="http://schemas.microsoft.com/office/drawing/2010/main" val="0"/>
-              </a:ext>
-            </a:extLst>
-          </a:blip>
-          <a:stretch>
-            <a:fillRect/>
-          </a:stretch>
-        </p:blipFill>
-        <p:spPr>
-          <a:xfrm>
-            <a:off x="-568037" y="156173"/>
-            <a:ext cx="13328074" cy="1483207"/>
-          </a:xfrm>
-          <a:prstGeom prst="rect">
-            <a:avLst/>
-          </a:prstGeom>
-        </p:spPr>
-      </p:pic>
-      <p:sp>
-        <p:nvSpPr>
-          <p:cNvPr id="11" name="Title 1">
-            <a:extLst>
-              <a:ext uri="{FF2B5EF4-FFF2-40B4-BE49-F238E27FC236}">
-                <a16:creationId xmlns:a16="http://schemas.microsoft.com/office/drawing/2014/main" id="{5596D7A3-0BD7-4024-BF8F-E006FAB1D0DE}"/>
-              </a:ext>
-            </a:extLst>
-          </p:cNvPr>
-          <p:cNvSpPr>
-            <a:spLocks noGrp="1"/>
-          </p:cNvSpPr>
-          <p:nvPr>
-            <p:ph type="ctrTitle"/>
-          </p:nvPr>
-        </p:nvSpPr>
-        <p:spPr>
-          <a:xfrm>
-            <a:off x="1010653" y="382402"/>
-            <a:ext cx="10170694" cy="1030747"/>
-          </a:xfrm>
-          <a:ln>
-            <a:noFill/>
-          </a:ln>
-        </p:spPr>
-        <p:txBody>
-          <a:bodyPr>
-            <a:noAutofit/>
-          </a:bodyPr>
-          <a:lstStyle/>
-          <a:p>
-            <a:r>
-              <a:rPr lang="bg-BG" b="1" i="1" dirty="0">
-                <a:ln w="19050">
-                  <a:solidFill>
-                    <a:schemeClr val="tx1"/>
-                  </a:solidFill>
-                </a:ln>
-                <a:solidFill>
-                  <a:schemeClr val="bg1"/>
-                </a:solidFill>
-                <a:latin typeface="Arial Black" panose="020B0A04020102020204" pitchFamily="34" charset="0"/>
-              </a:rPr>
-              <a:t>Верига отговорности</a:t>
-            </a:r>
-            <a:endParaRPr lang="en-US" b="1" i="1" dirty="0">
-              <a:ln w="19050">
-                <a:solidFill>
-                  <a:schemeClr val="tx1"/>
-                </a:solidFill>
-              </a:ln>
-              <a:solidFill>
-                <a:schemeClr val="bg1"/>
-              </a:solidFill>
-              <a:latin typeface="Handel Gothic" pitchFamily="2" charset="0"/>
-            </a:endParaRPr>
-          </a:p>
-        </p:txBody>
-      </p:sp>
-    </p:spTree>
-    <p:extLst>
-      <p:ext uri="{BB962C8B-B14F-4D97-AF65-F5344CB8AC3E}">
-        <p14:creationId xmlns:p14="http://schemas.microsoft.com/office/powerpoint/2010/main" val="2992063237"/>
+        <p14:creationId xmlns:p14="http://schemas.microsoft.com/office/powerpoint/2010/main" val="4219460995"/>
       </p:ext>
     </p:extLst>
   </p:cSld>
@@ -5122,131 +4939,6 @@
     <p:extLst>
       <p:ext uri="{BB962C8B-B14F-4D97-AF65-F5344CB8AC3E}">
         <p14:creationId xmlns:p14="http://schemas.microsoft.com/office/powerpoint/2010/main" val="1554634746"/>
-      </p:ext>
-    </p:extLst>
-  </p:cSld>
-  <p:clrMapOvr>
-    <a:masterClrMapping/>
-  </p:clrMapOvr>
-</p:sld>
-</file>
-
-<file path=ppt/slides/slide20.xml><?xml version="1.0" encoding="utf-8"?>
-<p:sld xmlns:a="http://schemas.openxmlformats.org/drawingml/2006/main" xmlns:r="http://schemas.openxmlformats.org/officeDocument/2006/relationships" xmlns:p="http://schemas.openxmlformats.org/presentationml/2006/main">
-  <p:cSld>
-    <p:spTree>
-      <p:nvGrpSpPr>
-        <p:cNvPr id="1" name=""/>
-        <p:cNvGrpSpPr/>
-        <p:nvPr/>
-      </p:nvGrpSpPr>
-      <p:grpSpPr>
-        <a:xfrm>
-          <a:off x="0" y="0"/>
-          <a:ext cx="0" cy="0"/>
-          <a:chOff x="0" y="0"/>
-          <a:chExt cx="0" cy="0"/>
-        </a:xfrm>
-      </p:grpSpPr>
-      <p:pic>
-        <p:nvPicPr>
-          <p:cNvPr id="5" name="Picture 4">
-            <a:extLst>
-              <a:ext uri="{FF2B5EF4-FFF2-40B4-BE49-F238E27FC236}">
-                <a16:creationId xmlns:a16="http://schemas.microsoft.com/office/drawing/2014/main" id="{33C8BA57-9912-42BC-A5FA-33F3A33CF2E7}"/>
-              </a:ext>
-            </a:extLst>
-          </p:cNvPr>
-          <p:cNvPicPr>
-            <a:picLocks noChangeAspect="1"/>
-          </p:cNvPicPr>
-          <p:nvPr/>
-        </p:nvPicPr>
-        <p:blipFill>
-          <a:blip r:embed="rId2">
-            <a:extLst>
-              <a:ext uri="{28A0092B-C50C-407E-A947-70E740481C1C}">
-                <a14:useLocalDpi xmlns:a14="http://schemas.microsoft.com/office/drawing/2010/main" val="0"/>
-              </a:ext>
-            </a:extLst>
-          </a:blip>
-          <a:stretch>
-            <a:fillRect/>
-          </a:stretch>
-        </p:blipFill>
-        <p:spPr>
-          <a:xfrm>
-            <a:off x="-568037" y="156173"/>
-            <a:ext cx="13328074" cy="1483207"/>
-          </a:xfrm>
-          <a:prstGeom prst="rect">
-            <a:avLst/>
-          </a:prstGeom>
-        </p:spPr>
-      </p:pic>
-      <p:sp>
-        <p:nvSpPr>
-          <p:cNvPr id="11" name="Title 1">
-            <a:extLst>
-              <a:ext uri="{FF2B5EF4-FFF2-40B4-BE49-F238E27FC236}">
-                <a16:creationId xmlns:a16="http://schemas.microsoft.com/office/drawing/2014/main" id="{5596D7A3-0BD7-4024-BF8F-E006FAB1D0DE}"/>
-              </a:ext>
-            </a:extLst>
-          </p:cNvPr>
-          <p:cNvSpPr>
-            <a:spLocks noGrp="1"/>
-          </p:cNvSpPr>
-          <p:nvPr>
-            <p:ph type="ctrTitle"/>
-          </p:nvPr>
-        </p:nvSpPr>
-        <p:spPr>
-          <a:xfrm>
-            <a:off x="1010653" y="382402"/>
-            <a:ext cx="10170694" cy="1030747"/>
-          </a:xfrm>
-          <a:ln>
-            <a:noFill/>
-          </a:ln>
-        </p:spPr>
-        <p:txBody>
-          <a:bodyPr>
-            <a:noAutofit/>
-          </a:bodyPr>
-          <a:lstStyle/>
-          <a:p>
-            <a:r>
-              <a:rPr lang="bg-BG" b="1" i="1" dirty="0">
-                <a:ln w="19050">
-                  <a:solidFill>
-                    <a:schemeClr val="tx1"/>
-                  </a:solidFill>
-                </a:ln>
-                <a:solidFill>
-                  <a:schemeClr val="bg1"/>
-                </a:solidFill>
-                <a:latin typeface="Arial Black" panose="020B0A04020102020204" pitchFamily="34" charset="0"/>
-              </a:rPr>
-              <a:t>Верига отговорности</a:t>
-            </a:r>
-            <a:endParaRPr lang="en-US" b="1" i="1" dirty="0">
-              <a:ln w="19050">
-                <a:solidFill>
-                  <a:schemeClr val="tx1"/>
-                </a:solidFill>
-              </a:ln>
-              <a:solidFill>
-                <a:schemeClr val="bg1"/>
-              </a:solidFill>
-              <a:latin typeface="Handel Gothic" pitchFamily="2" charset="0"/>
-            </a:endParaRPr>
-          </a:p>
-        </p:txBody>
-      </p:sp>
-    </p:spTree>
-    <p:extLst>
-      <p:ext uri="{BB962C8B-B14F-4D97-AF65-F5344CB8AC3E}">
-        <p14:creationId xmlns:p14="http://schemas.microsoft.com/office/powerpoint/2010/main" val="2100558903"/>
       </p:ext>
     </p:extLst>
   </p:cSld>
@@ -5436,10 +5128,10 @@
       </p:grpSpPr>
       <p:pic>
         <p:nvPicPr>
-          <p:cNvPr id="8" name="Picture 7">
-            <a:extLst>
-              <a:ext uri="{FF2B5EF4-FFF2-40B4-BE49-F238E27FC236}">
-                <a16:creationId xmlns:a16="http://schemas.microsoft.com/office/drawing/2014/main" id="{1BBB19F8-70AA-4D22-BE58-B22699D92D2B}"/>
+          <p:cNvPr id="5" name="Picture 4">
+            <a:extLst>
+              <a:ext uri="{FF2B5EF4-FFF2-40B4-BE49-F238E27FC236}">
+                <a16:creationId xmlns:a16="http://schemas.microsoft.com/office/drawing/2014/main" id="{33C8BA57-9912-42BC-A5FA-33F3A33CF2E7}"/>
               </a:ext>
             </a:extLst>
           </p:cNvPr>
@@ -5456,25 +5148,85 @@
               </a:ext>
             </a:extLst>
           </a:blip>
-          <a:srcRect/>
-          <a:stretch/>
+          <a:stretch>
+            <a:fillRect/>
+          </a:stretch>
         </p:blipFill>
         <p:spPr>
           <a:xfrm>
-            <a:off x="1207090" y="1990615"/>
-            <a:ext cx="3141020" cy="2589492"/>
+            <a:off x="-568037" y="156173"/>
+            <a:ext cx="13328074" cy="1483207"/>
           </a:xfrm>
           <a:prstGeom prst="rect">
             <a:avLst/>
           </a:prstGeom>
         </p:spPr>
       </p:pic>
+      <p:sp>
+        <p:nvSpPr>
+          <p:cNvPr id="11" name="Title 1">
+            <a:extLst>
+              <a:ext uri="{FF2B5EF4-FFF2-40B4-BE49-F238E27FC236}">
+                <a16:creationId xmlns:a16="http://schemas.microsoft.com/office/drawing/2014/main" id="{5596D7A3-0BD7-4024-BF8F-E006FAB1D0DE}"/>
+              </a:ext>
+            </a:extLst>
+          </p:cNvPr>
+          <p:cNvSpPr>
+            <a:spLocks noGrp="1"/>
+          </p:cNvSpPr>
+          <p:nvPr>
+            <p:ph type="ctrTitle"/>
+          </p:nvPr>
+        </p:nvSpPr>
+        <p:spPr>
+          <a:xfrm>
+            <a:off x="1010653" y="382402"/>
+            <a:ext cx="10170694" cy="1030747"/>
+          </a:xfrm>
+          <a:ln>
+            <a:noFill/>
+          </a:ln>
+        </p:spPr>
+        <p:txBody>
+          <a:bodyPr>
+            <a:noAutofit/>
+          </a:bodyPr>
+          <a:lstStyle/>
+          <a:p>
+            <a:r>
+              <a:rPr lang="bg-BG" b="1" i="1" dirty="0">
+                <a:ln w="19050">
+                  <a:solidFill>
+                    <a:schemeClr val="tx1"/>
+                  </a:solidFill>
+                </a:ln>
+                <a:solidFill>
+                  <a:schemeClr val="bg1"/>
+                </a:solidFill>
+                <a:latin typeface="Arial Black" panose="020B0A04020102020204" pitchFamily="34" charset="0"/>
+              </a:rPr>
+              <a:t>Команда</a:t>
+            </a:r>
+            <a:endParaRPr lang="en-US" b="1" i="1" dirty="0">
+              <a:ln w="19050">
+                <a:solidFill>
+                  <a:schemeClr val="tx1"/>
+                </a:solidFill>
+              </a:ln>
+              <a:solidFill>
+                <a:schemeClr val="bg1"/>
+              </a:solidFill>
+              <a:latin typeface="Handel Gothic" pitchFamily="2" charset="0"/>
+            </a:endParaRPr>
+          </a:p>
+        </p:txBody>
+      </p:sp>
       <p:pic>
         <p:nvPicPr>
-          <p:cNvPr id="10" name="Picture 9">
-            <a:extLst>
-              <a:ext uri="{FF2B5EF4-FFF2-40B4-BE49-F238E27FC236}">
-                <a16:creationId xmlns:a16="http://schemas.microsoft.com/office/drawing/2014/main" id="{9EB1E23F-9F39-4FB0-89D2-55FA9FB17CB2}"/>
+          <p:cNvPr id="3" name="Picture 2">
+            <a:extLst>
+              <a:ext uri="{FF2B5EF4-FFF2-40B4-BE49-F238E27FC236}">
+                <a16:creationId xmlns:a16="http://schemas.microsoft.com/office/drawing/2014/main" id="{120E27F4-A004-44D0-B53B-B5D3AAF77E23}"/>
               </a:ext>
             </a:extLst>
           </p:cNvPr>
@@ -5496,408 +5248,18 @@
         </p:blipFill>
         <p:spPr>
           <a:xfrm>
-            <a:off x="1207089" y="5155908"/>
-            <a:ext cx="3579773" cy="1492697"/>
+            <a:off x="3048000" y="2253673"/>
+            <a:ext cx="6096000" cy="3810000"/>
           </a:xfrm>
           <a:prstGeom prst="rect">
             <a:avLst/>
           </a:prstGeom>
         </p:spPr>
       </p:pic>
-      <p:cxnSp>
-        <p:nvCxnSpPr>
-          <p:cNvPr id="13" name="Connector: Elbow 12">
-            <a:extLst>
-              <a:ext uri="{FF2B5EF4-FFF2-40B4-BE49-F238E27FC236}">
-                <a16:creationId xmlns:a16="http://schemas.microsoft.com/office/drawing/2014/main" id="{AADC57B5-EF39-4C22-B022-A7CF838BF961}"/>
-              </a:ext>
-            </a:extLst>
-          </p:cNvPr>
-          <p:cNvCxnSpPr>
-            <a:cxnSpLocks/>
-            <a:stCxn id="8" idx="2"/>
-            <a:endCxn id="10" idx="0"/>
-          </p:cNvCxnSpPr>
-          <p:nvPr/>
-        </p:nvCxnSpPr>
-        <p:spPr>
-          <a:xfrm rot="16200000" flipH="1">
-            <a:off x="2599388" y="4758319"/>
-            <a:ext cx="575801" cy="219376"/>
-          </a:xfrm>
-          <a:prstGeom prst="bentConnector3">
-            <a:avLst>
-              <a:gd name="adj1" fmla="val 50000"/>
-            </a:avLst>
-          </a:prstGeom>
-          <a:ln w="25400">
-            <a:solidFill>
-              <a:srgbClr val="FF0000"/>
-            </a:solidFill>
-            <a:headEnd type="triangle" w="lg" len="lg"/>
-            <a:tailEnd type="none" w="lg" len="med"/>
-          </a:ln>
-        </p:spPr>
-        <p:style>
-          <a:lnRef idx="1">
-            <a:schemeClr val="accent1"/>
-          </a:lnRef>
-          <a:fillRef idx="0">
-            <a:schemeClr val="accent1"/>
-          </a:fillRef>
-          <a:effectRef idx="0">
-            <a:schemeClr val="accent1"/>
-          </a:effectRef>
-          <a:fontRef idx="minor">
-            <a:schemeClr val="tx1"/>
-          </a:fontRef>
-        </p:style>
-      </p:cxnSp>
-      <p:pic>
-        <p:nvPicPr>
-          <p:cNvPr id="21" name="Picture 20">
-            <a:extLst>
-              <a:ext uri="{FF2B5EF4-FFF2-40B4-BE49-F238E27FC236}">
-                <a16:creationId xmlns:a16="http://schemas.microsoft.com/office/drawing/2014/main" id="{FEE60178-7764-4D6F-91DE-DBC9DF1C038D}"/>
-              </a:ext>
-            </a:extLst>
-          </p:cNvPr>
-          <p:cNvPicPr>
-            <a:picLocks noChangeAspect="1"/>
-          </p:cNvPicPr>
-          <p:nvPr/>
-        </p:nvPicPr>
-        <p:blipFill>
-          <a:blip r:embed="rId4">
-            <a:extLst>
-              <a:ext uri="{28A0092B-C50C-407E-A947-70E740481C1C}">
-                <a14:useLocalDpi xmlns:a14="http://schemas.microsoft.com/office/drawing/2010/main" val="0"/>
-              </a:ext>
-            </a:extLst>
-          </a:blip>
-          <a:srcRect/>
-          <a:stretch/>
-        </p:blipFill>
-        <p:spPr>
-          <a:xfrm>
-            <a:off x="6784905" y="3080775"/>
-            <a:ext cx="3579773" cy="1558254"/>
-          </a:xfrm>
-          <a:prstGeom prst="rect">
-            <a:avLst/>
-          </a:prstGeom>
-        </p:spPr>
-      </p:pic>
-      <p:cxnSp>
-        <p:nvCxnSpPr>
-          <p:cNvPr id="22" name="Connector: Elbow 21">
-            <a:extLst>
-              <a:ext uri="{FF2B5EF4-FFF2-40B4-BE49-F238E27FC236}">
-                <a16:creationId xmlns:a16="http://schemas.microsoft.com/office/drawing/2014/main" id="{69E12C24-D1DD-432A-8470-C10408BAAA10}"/>
-              </a:ext>
-            </a:extLst>
-          </p:cNvPr>
-          <p:cNvCxnSpPr>
-            <a:cxnSpLocks/>
-            <a:stCxn id="8" idx="3"/>
-            <a:endCxn id="21" idx="1"/>
-          </p:cNvCxnSpPr>
-          <p:nvPr/>
-        </p:nvCxnSpPr>
-        <p:spPr>
-          <a:xfrm>
-            <a:off x="4348110" y="3285361"/>
-            <a:ext cx="2436795" cy="574541"/>
-          </a:xfrm>
-          <a:prstGeom prst="bentConnector3">
-            <a:avLst>
-              <a:gd name="adj1" fmla="val 50000"/>
-            </a:avLst>
-          </a:prstGeom>
-          <a:ln w="25400" cap="flat">
-            <a:solidFill>
-              <a:srgbClr val="FF0000"/>
-            </a:solidFill>
-            <a:miter lim="800000"/>
-            <a:headEnd type="triangle" w="lg" len="lg"/>
-            <a:tailEnd type="none" w="lg" len="lg"/>
-          </a:ln>
-        </p:spPr>
-        <p:style>
-          <a:lnRef idx="1">
-            <a:schemeClr val="accent1"/>
-          </a:lnRef>
-          <a:fillRef idx="0">
-            <a:schemeClr val="accent1"/>
-          </a:fillRef>
-          <a:effectRef idx="0">
-            <a:schemeClr val="accent1"/>
-          </a:effectRef>
-          <a:fontRef idx="minor">
-            <a:schemeClr val="tx1"/>
-          </a:fontRef>
-        </p:style>
-      </p:cxnSp>
-      <p:pic>
-        <p:nvPicPr>
-          <p:cNvPr id="27" name="Picture 26">
-            <a:extLst>
-              <a:ext uri="{FF2B5EF4-FFF2-40B4-BE49-F238E27FC236}">
-                <a16:creationId xmlns:a16="http://schemas.microsoft.com/office/drawing/2014/main" id="{4AD6147C-425D-467F-B6F5-298243367AF4}"/>
-              </a:ext>
-            </a:extLst>
-          </p:cNvPr>
-          <p:cNvPicPr>
-            <a:picLocks noChangeAspect="1"/>
-          </p:cNvPicPr>
-          <p:nvPr/>
-        </p:nvPicPr>
-        <p:blipFill>
-          <a:blip r:embed="rId5">
-            <a:extLst>
-              <a:ext uri="{28A0092B-C50C-407E-A947-70E740481C1C}">
-                <a14:useLocalDpi xmlns:a14="http://schemas.microsoft.com/office/drawing/2010/main" val="0"/>
-              </a:ext>
-            </a:extLst>
-          </a:blip>
-          <a:srcRect/>
-          <a:stretch/>
-        </p:blipFill>
-        <p:spPr>
-          <a:xfrm>
-            <a:off x="6357372" y="666915"/>
-            <a:ext cx="4007306" cy="1971073"/>
-          </a:xfrm>
-          <a:prstGeom prst="rect">
-            <a:avLst/>
-          </a:prstGeom>
-        </p:spPr>
-      </p:pic>
-      <p:cxnSp>
-        <p:nvCxnSpPr>
-          <p:cNvPr id="32" name="Connector: Elbow 31">
-            <a:extLst>
-              <a:ext uri="{FF2B5EF4-FFF2-40B4-BE49-F238E27FC236}">
-                <a16:creationId xmlns:a16="http://schemas.microsoft.com/office/drawing/2014/main" id="{D06E9AD2-66CF-4BDC-9932-FFAA668478AF}"/>
-              </a:ext>
-            </a:extLst>
-          </p:cNvPr>
-          <p:cNvCxnSpPr>
-            <a:cxnSpLocks/>
-            <a:stCxn id="27" idx="1"/>
-            <a:endCxn id="46" idx="3"/>
-          </p:cNvCxnSpPr>
-          <p:nvPr/>
-        </p:nvCxnSpPr>
-        <p:spPr>
-          <a:xfrm rot="10800000">
-            <a:off x="4348110" y="909490"/>
-            <a:ext cx="2009262" cy="742962"/>
-          </a:xfrm>
-          <a:prstGeom prst="bentConnector3">
-            <a:avLst>
-              <a:gd name="adj1" fmla="val 50000"/>
-            </a:avLst>
-          </a:prstGeom>
-          <a:ln w="25400">
-            <a:solidFill>
-              <a:srgbClr val="FF0000"/>
-            </a:solidFill>
-            <a:prstDash val="dash"/>
-            <a:headEnd type="none" w="lg" len="lg"/>
-            <a:tailEnd type="arrow" w="lg" len="lg"/>
-          </a:ln>
-        </p:spPr>
-        <p:style>
-          <a:lnRef idx="1">
-            <a:schemeClr val="accent1"/>
-          </a:lnRef>
-          <a:fillRef idx="0">
-            <a:schemeClr val="accent1"/>
-          </a:fillRef>
-          <a:effectRef idx="0">
-            <a:schemeClr val="accent1"/>
-          </a:effectRef>
-          <a:fontRef idx="minor">
-            <a:schemeClr val="tx1"/>
-          </a:fontRef>
-        </p:style>
-      </p:cxnSp>
-      <p:pic>
-        <p:nvPicPr>
-          <p:cNvPr id="46" name="Picture 45">
-            <a:extLst>
-              <a:ext uri="{FF2B5EF4-FFF2-40B4-BE49-F238E27FC236}">
-                <a16:creationId xmlns:a16="http://schemas.microsoft.com/office/drawing/2014/main" id="{D8706118-D17C-4326-A85E-CFE938FF45ED}"/>
-              </a:ext>
-            </a:extLst>
-          </p:cNvPr>
-          <p:cNvPicPr>
-            <a:picLocks noChangeAspect="1"/>
-          </p:cNvPicPr>
-          <p:nvPr/>
-        </p:nvPicPr>
-        <p:blipFill>
-          <a:blip r:embed="rId6">
-            <a:extLst>
-              <a:ext uri="{28A0092B-C50C-407E-A947-70E740481C1C}">
-                <a14:useLocalDpi xmlns:a14="http://schemas.microsoft.com/office/drawing/2010/main" val="0"/>
-              </a:ext>
-            </a:extLst>
-          </a:blip>
-          <a:stretch>
-            <a:fillRect/>
-          </a:stretch>
-        </p:blipFill>
-        <p:spPr>
-          <a:xfrm>
-            <a:off x="1207090" y="450418"/>
-            <a:ext cx="3141020" cy="918144"/>
-          </a:xfrm>
-          <a:prstGeom prst="rect">
-            <a:avLst/>
-          </a:prstGeom>
-        </p:spPr>
-      </p:pic>
-      <p:pic>
-        <p:nvPicPr>
-          <p:cNvPr id="69" name="Picture 68">
-            <a:extLst>
-              <a:ext uri="{FF2B5EF4-FFF2-40B4-BE49-F238E27FC236}">
-                <a16:creationId xmlns:a16="http://schemas.microsoft.com/office/drawing/2014/main" id="{CF31ED3C-1A9A-4889-BFE2-95F0A08C9522}"/>
-              </a:ext>
-            </a:extLst>
-          </p:cNvPr>
-          <p:cNvPicPr>
-            <a:picLocks noChangeAspect="1"/>
-          </p:cNvPicPr>
-          <p:nvPr/>
-        </p:nvPicPr>
-        <p:blipFill>
-          <a:blip r:embed="rId7">
-            <a:extLst>
-              <a:ext uri="{28A0092B-C50C-407E-A947-70E740481C1C}">
-                <a14:useLocalDpi xmlns:a14="http://schemas.microsoft.com/office/drawing/2010/main" val="0"/>
-              </a:ext>
-            </a:extLst>
-          </a:blip>
-          <a:srcRect/>
-          <a:stretch/>
-        </p:blipFill>
-        <p:spPr>
-          <a:xfrm>
-            <a:off x="6939266" y="5081816"/>
-            <a:ext cx="3425412" cy="1558254"/>
-          </a:xfrm>
-          <a:prstGeom prst="rect">
-            <a:avLst/>
-          </a:prstGeom>
-        </p:spPr>
-      </p:pic>
-      <p:cxnSp>
-        <p:nvCxnSpPr>
-          <p:cNvPr id="70" name="Connector: Elbow 69">
-            <a:extLst>
-              <a:ext uri="{FF2B5EF4-FFF2-40B4-BE49-F238E27FC236}">
-                <a16:creationId xmlns:a16="http://schemas.microsoft.com/office/drawing/2014/main" id="{EC2C6F50-CED9-4DB1-B45E-11C63E2246EC}"/>
-              </a:ext>
-            </a:extLst>
-          </p:cNvPr>
-          <p:cNvCxnSpPr>
-            <a:cxnSpLocks/>
-            <a:stCxn id="8" idx="3"/>
-            <a:endCxn id="69" idx="1"/>
-          </p:cNvCxnSpPr>
-          <p:nvPr/>
-        </p:nvCxnSpPr>
-        <p:spPr>
-          <a:xfrm>
-            <a:off x="4348110" y="3285361"/>
-            <a:ext cx="2591156" cy="2575582"/>
-          </a:xfrm>
-          <a:prstGeom prst="bentConnector3">
-            <a:avLst>
-              <a:gd name="adj1" fmla="val 35029"/>
-            </a:avLst>
-          </a:prstGeom>
-          <a:ln w="25400" cap="flat">
-            <a:solidFill>
-              <a:srgbClr val="FF0000"/>
-            </a:solidFill>
-            <a:miter lim="800000"/>
-            <a:headEnd type="triangle" w="lg" len="lg"/>
-            <a:tailEnd type="none" w="lg" len="lg"/>
-          </a:ln>
-        </p:spPr>
-        <p:style>
-          <a:lnRef idx="1">
-            <a:schemeClr val="accent1"/>
-          </a:lnRef>
-          <a:fillRef idx="0">
-            <a:schemeClr val="accent1"/>
-          </a:fillRef>
-          <a:effectRef idx="0">
-            <a:schemeClr val="accent1"/>
-          </a:effectRef>
-          <a:fontRef idx="minor">
-            <a:schemeClr val="tx1"/>
-          </a:fontRef>
-        </p:style>
-      </p:cxnSp>
-      <p:cxnSp>
-        <p:nvCxnSpPr>
-          <p:cNvPr id="82" name="Connector: Elbow 81">
-            <a:extLst>
-              <a:ext uri="{FF2B5EF4-FFF2-40B4-BE49-F238E27FC236}">
-                <a16:creationId xmlns:a16="http://schemas.microsoft.com/office/drawing/2014/main" id="{6622D489-A8A3-4003-A896-97F7418ECB56}"/>
-              </a:ext>
-            </a:extLst>
-          </p:cNvPr>
-          <p:cNvCxnSpPr>
-            <a:cxnSpLocks/>
-            <a:stCxn id="8" idx="0"/>
-            <a:endCxn id="46" idx="2"/>
-          </p:cNvCxnSpPr>
-          <p:nvPr/>
-        </p:nvCxnSpPr>
-        <p:spPr>
-          <a:xfrm rot="5400000" flipH="1" flipV="1">
-            <a:off x="2466574" y="1679589"/>
-            <a:ext cx="622053" cy="12700"/>
-          </a:xfrm>
-          <a:prstGeom prst="bentConnector3">
-            <a:avLst>
-              <a:gd name="adj1" fmla="val 50000"/>
-            </a:avLst>
-          </a:prstGeom>
-          <a:ln w="25400">
-            <a:solidFill>
-              <a:srgbClr val="FF0000"/>
-            </a:solidFill>
-            <a:prstDash val="dash"/>
-            <a:headEnd type="none" w="lg" len="lg"/>
-            <a:tailEnd type="triangle" w="lg" len="lg"/>
-          </a:ln>
-        </p:spPr>
-        <p:style>
-          <a:lnRef idx="1">
-            <a:schemeClr val="accent1"/>
-          </a:lnRef>
-          <a:fillRef idx="0">
-            <a:schemeClr val="accent1"/>
-          </a:fillRef>
-          <a:effectRef idx="0">
-            <a:schemeClr val="accent1"/>
-          </a:effectRef>
-          <a:fontRef idx="minor">
-            <a:schemeClr val="tx1"/>
-          </a:fontRef>
-        </p:style>
-      </p:cxnSp>
     </p:spTree>
     <p:extLst>
       <p:ext uri="{BB962C8B-B14F-4D97-AF65-F5344CB8AC3E}">
-        <p14:creationId xmlns:p14="http://schemas.microsoft.com/office/powerpoint/2010/main" val="2247376338"/>
+        <p14:creationId xmlns:p14="http://schemas.microsoft.com/office/powerpoint/2010/main" val="101851433"/>
       </p:ext>
     </p:extLst>
   </p:cSld>
@@ -5908,6 +5270,486 @@
 </file>
 
 <file path=ppt/slides/slide5.xml><?xml version="1.0" encoding="utf-8"?>
+<p:sld xmlns:a="http://schemas.openxmlformats.org/drawingml/2006/main" xmlns:r="http://schemas.openxmlformats.org/officeDocument/2006/relationships" xmlns:p="http://schemas.openxmlformats.org/presentationml/2006/main">
+  <p:cSld>
+    <p:spTree>
+      <p:nvGrpSpPr>
+        <p:cNvPr id="1" name=""/>
+        <p:cNvGrpSpPr/>
+        <p:nvPr/>
+      </p:nvGrpSpPr>
+      <p:grpSpPr>
+        <a:xfrm>
+          <a:off x="0" y="0"/>
+          <a:ext cx="0" cy="0"/>
+          <a:chOff x="0" y="0"/>
+          <a:chExt cx="0" cy="0"/>
+        </a:xfrm>
+      </p:grpSpPr>
+      <p:pic>
+        <p:nvPicPr>
+          <p:cNvPr id="5" name="Picture 4">
+            <a:extLst>
+              <a:ext uri="{FF2B5EF4-FFF2-40B4-BE49-F238E27FC236}">
+                <a16:creationId xmlns:a16="http://schemas.microsoft.com/office/drawing/2014/main" id="{33C8BA57-9912-42BC-A5FA-33F3A33CF2E7}"/>
+              </a:ext>
+            </a:extLst>
+          </p:cNvPr>
+          <p:cNvPicPr>
+            <a:picLocks noChangeAspect="1"/>
+          </p:cNvPicPr>
+          <p:nvPr/>
+        </p:nvPicPr>
+        <p:blipFill>
+          <a:blip r:embed="rId2">
+            <a:extLst>
+              <a:ext uri="{28A0092B-C50C-407E-A947-70E740481C1C}">
+                <a14:useLocalDpi xmlns:a14="http://schemas.microsoft.com/office/drawing/2010/main" val="0"/>
+              </a:ext>
+            </a:extLst>
+          </a:blip>
+          <a:stretch>
+            <a:fillRect/>
+          </a:stretch>
+        </p:blipFill>
+        <p:spPr>
+          <a:xfrm>
+            <a:off x="-568037" y="156173"/>
+            <a:ext cx="13328074" cy="1483207"/>
+          </a:xfrm>
+          <a:prstGeom prst="rect">
+            <a:avLst/>
+          </a:prstGeom>
+        </p:spPr>
+      </p:pic>
+      <p:sp>
+        <p:nvSpPr>
+          <p:cNvPr id="11" name="Title 1">
+            <a:extLst>
+              <a:ext uri="{FF2B5EF4-FFF2-40B4-BE49-F238E27FC236}">
+                <a16:creationId xmlns:a16="http://schemas.microsoft.com/office/drawing/2014/main" id="{5596D7A3-0BD7-4024-BF8F-E006FAB1D0DE}"/>
+              </a:ext>
+            </a:extLst>
+          </p:cNvPr>
+          <p:cNvSpPr>
+            <a:spLocks noGrp="1"/>
+          </p:cNvSpPr>
+          <p:nvPr>
+            <p:ph type="ctrTitle"/>
+          </p:nvPr>
+        </p:nvSpPr>
+        <p:spPr>
+          <a:xfrm>
+            <a:off x="1010653" y="382402"/>
+            <a:ext cx="10170694" cy="1030747"/>
+          </a:xfrm>
+          <a:ln>
+            <a:noFill/>
+          </a:ln>
+        </p:spPr>
+        <p:txBody>
+          <a:bodyPr>
+            <a:noAutofit/>
+          </a:bodyPr>
+          <a:lstStyle/>
+          <a:p>
+            <a:r>
+              <a:rPr lang="bg-BG" b="1" i="1" dirty="0">
+                <a:ln w="19050">
+                  <a:solidFill>
+                    <a:schemeClr val="tx1"/>
+                  </a:solidFill>
+                </a:ln>
+                <a:solidFill>
+                  <a:schemeClr val="bg1"/>
+                </a:solidFill>
+                <a:latin typeface="Arial Black" panose="020B0A04020102020204" pitchFamily="34" charset="0"/>
+              </a:rPr>
+              <a:t>Итератор</a:t>
+            </a:r>
+            <a:endParaRPr lang="en-US" b="1" i="1" dirty="0">
+              <a:ln w="19050">
+                <a:solidFill>
+                  <a:schemeClr val="tx1"/>
+                </a:solidFill>
+              </a:ln>
+              <a:solidFill>
+                <a:schemeClr val="bg1"/>
+              </a:solidFill>
+              <a:latin typeface="Handel Gothic" pitchFamily="2" charset="0"/>
+            </a:endParaRPr>
+          </a:p>
+        </p:txBody>
+      </p:sp>
+      <p:pic>
+        <p:nvPicPr>
+          <p:cNvPr id="3" name="Picture 2">
+            <a:extLst>
+              <a:ext uri="{FF2B5EF4-FFF2-40B4-BE49-F238E27FC236}">
+                <a16:creationId xmlns:a16="http://schemas.microsoft.com/office/drawing/2014/main" id="{120E27F4-A004-44D0-B53B-B5D3AAF77E23}"/>
+              </a:ext>
+            </a:extLst>
+          </p:cNvPr>
+          <p:cNvPicPr>
+            <a:picLocks noChangeAspect="1"/>
+          </p:cNvPicPr>
+          <p:nvPr/>
+        </p:nvPicPr>
+        <p:blipFill>
+          <a:blip r:embed="rId3">
+            <a:extLst>
+              <a:ext uri="{28A0092B-C50C-407E-A947-70E740481C1C}">
+                <a14:useLocalDpi xmlns:a14="http://schemas.microsoft.com/office/drawing/2010/main" val="0"/>
+              </a:ext>
+            </a:extLst>
+          </a:blip>
+          <a:srcRect/>
+          <a:stretch/>
+        </p:blipFill>
+        <p:spPr>
+          <a:xfrm>
+            <a:off x="3048000" y="2253673"/>
+            <a:ext cx="6096000" cy="3810000"/>
+          </a:xfrm>
+          <a:prstGeom prst="rect">
+            <a:avLst/>
+          </a:prstGeom>
+        </p:spPr>
+      </p:pic>
+    </p:spTree>
+    <p:extLst>
+      <p:ext uri="{BB962C8B-B14F-4D97-AF65-F5344CB8AC3E}">
+        <p14:creationId xmlns:p14="http://schemas.microsoft.com/office/powerpoint/2010/main" val="2893838975"/>
+      </p:ext>
+    </p:extLst>
+  </p:cSld>
+  <p:clrMapOvr>
+    <a:masterClrMapping/>
+  </p:clrMapOvr>
+</p:sld>
+</file>
+
+<file path=ppt/slides/slide6.xml><?xml version="1.0" encoding="utf-8"?>
+<p:sld xmlns:a="http://schemas.openxmlformats.org/drawingml/2006/main" xmlns:r="http://schemas.openxmlformats.org/officeDocument/2006/relationships" xmlns:p="http://schemas.openxmlformats.org/presentationml/2006/main">
+  <p:cSld>
+    <p:spTree>
+      <p:nvGrpSpPr>
+        <p:cNvPr id="1" name=""/>
+        <p:cNvGrpSpPr/>
+        <p:nvPr/>
+      </p:nvGrpSpPr>
+      <p:grpSpPr>
+        <a:xfrm>
+          <a:off x="0" y="0"/>
+          <a:ext cx="0" cy="0"/>
+          <a:chOff x="0" y="0"/>
+          <a:chExt cx="0" cy="0"/>
+        </a:xfrm>
+      </p:grpSpPr>
+      <p:pic>
+        <p:nvPicPr>
+          <p:cNvPr id="5" name="Picture 4">
+            <a:extLst>
+              <a:ext uri="{FF2B5EF4-FFF2-40B4-BE49-F238E27FC236}">
+                <a16:creationId xmlns:a16="http://schemas.microsoft.com/office/drawing/2014/main" id="{33C8BA57-9912-42BC-A5FA-33F3A33CF2E7}"/>
+              </a:ext>
+            </a:extLst>
+          </p:cNvPr>
+          <p:cNvPicPr>
+            <a:picLocks noChangeAspect="1"/>
+          </p:cNvPicPr>
+          <p:nvPr/>
+        </p:nvPicPr>
+        <p:blipFill>
+          <a:blip r:embed="rId2">
+            <a:extLst>
+              <a:ext uri="{28A0092B-C50C-407E-A947-70E740481C1C}">
+                <a14:useLocalDpi xmlns:a14="http://schemas.microsoft.com/office/drawing/2010/main" val="0"/>
+              </a:ext>
+            </a:extLst>
+          </a:blip>
+          <a:stretch>
+            <a:fillRect/>
+          </a:stretch>
+        </p:blipFill>
+        <p:spPr>
+          <a:xfrm>
+            <a:off x="-568037" y="156173"/>
+            <a:ext cx="13328074" cy="1483207"/>
+          </a:xfrm>
+          <a:prstGeom prst="rect">
+            <a:avLst/>
+          </a:prstGeom>
+        </p:spPr>
+      </p:pic>
+      <p:sp>
+        <p:nvSpPr>
+          <p:cNvPr id="11" name="Title 1">
+            <a:extLst>
+              <a:ext uri="{FF2B5EF4-FFF2-40B4-BE49-F238E27FC236}">
+                <a16:creationId xmlns:a16="http://schemas.microsoft.com/office/drawing/2014/main" id="{5596D7A3-0BD7-4024-BF8F-E006FAB1D0DE}"/>
+              </a:ext>
+            </a:extLst>
+          </p:cNvPr>
+          <p:cNvSpPr>
+            <a:spLocks noGrp="1"/>
+          </p:cNvSpPr>
+          <p:nvPr>
+            <p:ph type="ctrTitle"/>
+          </p:nvPr>
+        </p:nvSpPr>
+        <p:spPr>
+          <a:xfrm>
+            <a:off x="1010653" y="382402"/>
+            <a:ext cx="10170694" cy="1030747"/>
+          </a:xfrm>
+          <a:ln>
+            <a:noFill/>
+          </a:ln>
+        </p:spPr>
+        <p:txBody>
+          <a:bodyPr>
+            <a:noAutofit/>
+          </a:bodyPr>
+          <a:lstStyle/>
+          <a:p>
+            <a:r>
+              <a:rPr lang="bg-BG" b="1" i="1" dirty="0">
+                <a:ln w="19050">
+                  <a:solidFill>
+                    <a:schemeClr val="tx1"/>
+                  </a:solidFill>
+                </a:ln>
+                <a:solidFill>
+                  <a:schemeClr val="bg1"/>
+                </a:solidFill>
+                <a:latin typeface="Arial Black" panose="020B0A04020102020204" pitchFamily="34" charset="0"/>
+              </a:rPr>
+              <a:t>Посредник</a:t>
+            </a:r>
+            <a:endParaRPr lang="en-US" b="1" i="1" dirty="0">
+              <a:ln w="19050">
+                <a:solidFill>
+                  <a:schemeClr val="tx1"/>
+                </a:solidFill>
+              </a:ln>
+              <a:solidFill>
+                <a:schemeClr val="bg1"/>
+              </a:solidFill>
+              <a:latin typeface="Handel Gothic" pitchFamily="2" charset="0"/>
+            </a:endParaRPr>
+          </a:p>
+        </p:txBody>
+      </p:sp>
+      <p:pic>
+        <p:nvPicPr>
+          <p:cNvPr id="3" name="Picture 2">
+            <a:extLst>
+              <a:ext uri="{FF2B5EF4-FFF2-40B4-BE49-F238E27FC236}">
+                <a16:creationId xmlns:a16="http://schemas.microsoft.com/office/drawing/2014/main" id="{120E27F4-A004-44D0-B53B-B5D3AAF77E23}"/>
+              </a:ext>
+            </a:extLst>
+          </p:cNvPr>
+          <p:cNvPicPr>
+            <a:picLocks noChangeAspect="1"/>
+          </p:cNvPicPr>
+          <p:nvPr/>
+        </p:nvPicPr>
+        <p:blipFill>
+          <a:blip r:embed="rId3">
+            <a:extLst>
+              <a:ext uri="{28A0092B-C50C-407E-A947-70E740481C1C}">
+                <a14:useLocalDpi xmlns:a14="http://schemas.microsoft.com/office/drawing/2010/main" val="0"/>
+              </a:ext>
+            </a:extLst>
+          </a:blip>
+          <a:srcRect/>
+          <a:stretch/>
+        </p:blipFill>
+        <p:spPr>
+          <a:xfrm>
+            <a:off x="3048000" y="2253673"/>
+            <a:ext cx="6096000" cy="3810000"/>
+          </a:xfrm>
+          <a:prstGeom prst="rect">
+            <a:avLst/>
+          </a:prstGeom>
+        </p:spPr>
+      </p:pic>
+    </p:spTree>
+    <p:extLst>
+      <p:ext uri="{BB962C8B-B14F-4D97-AF65-F5344CB8AC3E}">
+        <p14:creationId xmlns:p14="http://schemas.microsoft.com/office/powerpoint/2010/main" val="2555481534"/>
+      </p:ext>
+    </p:extLst>
+  </p:cSld>
+  <p:clrMapOvr>
+    <a:masterClrMapping/>
+  </p:clrMapOvr>
+</p:sld>
+</file>
+
+<file path=ppt/slides/slide7.xml><?xml version="1.0" encoding="utf-8"?>
+<p:sld xmlns:a="http://schemas.openxmlformats.org/drawingml/2006/main" xmlns:r="http://schemas.openxmlformats.org/officeDocument/2006/relationships" xmlns:p="http://schemas.openxmlformats.org/presentationml/2006/main">
+  <p:cSld>
+    <p:spTree>
+      <p:nvGrpSpPr>
+        <p:cNvPr id="1" name=""/>
+        <p:cNvGrpSpPr/>
+        <p:nvPr/>
+      </p:nvGrpSpPr>
+      <p:grpSpPr>
+        <a:xfrm>
+          <a:off x="0" y="0"/>
+          <a:ext cx="0" cy="0"/>
+          <a:chOff x="0" y="0"/>
+          <a:chExt cx="0" cy="0"/>
+        </a:xfrm>
+      </p:grpSpPr>
+      <p:pic>
+        <p:nvPicPr>
+          <p:cNvPr id="5" name="Picture 4">
+            <a:extLst>
+              <a:ext uri="{FF2B5EF4-FFF2-40B4-BE49-F238E27FC236}">
+                <a16:creationId xmlns:a16="http://schemas.microsoft.com/office/drawing/2014/main" id="{33C8BA57-9912-42BC-A5FA-33F3A33CF2E7}"/>
+              </a:ext>
+            </a:extLst>
+          </p:cNvPr>
+          <p:cNvPicPr>
+            <a:picLocks noChangeAspect="1"/>
+          </p:cNvPicPr>
+          <p:nvPr/>
+        </p:nvPicPr>
+        <p:blipFill>
+          <a:blip r:embed="rId2">
+            <a:extLst>
+              <a:ext uri="{28A0092B-C50C-407E-A947-70E740481C1C}">
+                <a14:useLocalDpi xmlns:a14="http://schemas.microsoft.com/office/drawing/2010/main" val="0"/>
+              </a:ext>
+            </a:extLst>
+          </a:blip>
+          <a:stretch>
+            <a:fillRect/>
+          </a:stretch>
+        </p:blipFill>
+        <p:spPr>
+          <a:xfrm>
+            <a:off x="-568037" y="156173"/>
+            <a:ext cx="13328074" cy="1483207"/>
+          </a:xfrm>
+          <a:prstGeom prst="rect">
+            <a:avLst/>
+          </a:prstGeom>
+        </p:spPr>
+      </p:pic>
+      <p:sp>
+        <p:nvSpPr>
+          <p:cNvPr id="11" name="Title 1">
+            <a:extLst>
+              <a:ext uri="{FF2B5EF4-FFF2-40B4-BE49-F238E27FC236}">
+                <a16:creationId xmlns:a16="http://schemas.microsoft.com/office/drawing/2014/main" id="{5596D7A3-0BD7-4024-BF8F-E006FAB1D0DE}"/>
+              </a:ext>
+            </a:extLst>
+          </p:cNvPr>
+          <p:cNvSpPr>
+            <a:spLocks noGrp="1"/>
+          </p:cNvSpPr>
+          <p:nvPr>
+            <p:ph type="ctrTitle"/>
+          </p:nvPr>
+        </p:nvSpPr>
+        <p:spPr>
+          <a:xfrm>
+            <a:off x="1010653" y="382402"/>
+            <a:ext cx="10170694" cy="1030747"/>
+          </a:xfrm>
+          <a:ln>
+            <a:noFill/>
+          </a:ln>
+        </p:spPr>
+        <p:txBody>
+          <a:bodyPr>
+            <a:noAutofit/>
+          </a:bodyPr>
+          <a:lstStyle/>
+          <a:p>
+            <a:r>
+              <a:rPr lang="bg-BG" b="1" i="1" dirty="0">
+                <a:ln w="19050">
+                  <a:solidFill>
+                    <a:schemeClr val="tx1"/>
+                  </a:solidFill>
+                </a:ln>
+                <a:solidFill>
+                  <a:schemeClr val="bg1"/>
+                </a:solidFill>
+                <a:latin typeface="Arial Black" panose="020B0A04020102020204" pitchFamily="34" charset="0"/>
+              </a:rPr>
+              <a:t>Спомен</a:t>
+            </a:r>
+            <a:endParaRPr lang="en-US" b="1" i="1" dirty="0">
+              <a:ln w="19050">
+                <a:solidFill>
+                  <a:schemeClr val="tx1"/>
+                </a:solidFill>
+              </a:ln>
+              <a:solidFill>
+                <a:schemeClr val="bg1"/>
+              </a:solidFill>
+              <a:latin typeface="Handel Gothic" pitchFamily="2" charset="0"/>
+            </a:endParaRPr>
+          </a:p>
+        </p:txBody>
+      </p:sp>
+      <p:pic>
+        <p:nvPicPr>
+          <p:cNvPr id="3" name="Picture 2">
+            <a:extLst>
+              <a:ext uri="{FF2B5EF4-FFF2-40B4-BE49-F238E27FC236}">
+                <a16:creationId xmlns:a16="http://schemas.microsoft.com/office/drawing/2014/main" id="{120E27F4-A004-44D0-B53B-B5D3AAF77E23}"/>
+              </a:ext>
+            </a:extLst>
+          </p:cNvPr>
+          <p:cNvPicPr>
+            <a:picLocks noChangeAspect="1"/>
+          </p:cNvPicPr>
+          <p:nvPr/>
+        </p:nvPicPr>
+        <p:blipFill>
+          <a:blip r:embed="rId3">
+            <a:extLst>
+              <a:ext uri="{28A0092B-C50C-407E-A947-70E740481C1C}">
+                <a14:useLocalDpi xmlns:a14="http://schemas.microsoft.com/office/drawing/2010/main" val="0"/>
+              </a:ext>
+            </a:extLst>
+          </a:blip>
+          <a:srcRect/>
+          <a:stretch/>
+        </p:blipFill>
+        <p:spPr>
+          <a:xfrm>
+            <a:off x="3048000" y="2253673"/>
+            <a:ext cx="6096000" cy="3810000"/>
+          </a:xfrm>
+          <a:prstGeom prst="rect">
+            <a:avLst/>
+          </a:prstGeom>
+        </p:spPr>
+      </p:pic>
+    </p:spTree>
+    <p:extLst>
+      <p:ext uri="{BB962C8B-B14F-4D97-AF65-F5344CB8AC3E}">
+        <p14:creationId xmlns:p14="http://schemas.microsoft.com/office/powerpoint/2010/main" val="2481816733"/>
+      </p:ext>
+    </p:extLst>
+  </p:cSld>
+  <p:clrMapOvr>
+    <a:masterClrMapping/>
+  </p:clrMapOvr>
+</p:sld>
+</file>
+
+<file path=ppt/slides/slide8.xml><?xml version="1.0" encoding="utf-8"?>
 <p:sld xmlns:a="http://schemas.openxmlformats.org/drawingml/2006/main" xmlns:r="http://schemas.openxmlformats.org/officeDocument/2006/relationships" xmlns:p="http://schemas.openxmlformats.org/presentationml/2006/main">
   <p:cSld>
     <p:spTree>
@@ -6077,1091 +5919,6 @@
 </p:sld>
 </file>
 
-<file path=ppt/slides/slide6.xml><?xml version="1.0" encoding="utf-8"?>
-<p:sld xmlns:a="http://schemas.openxmlformats.org/drawingml/2006/main" xmlns:r="http://schemas.openxmlformats.org/officeDocument/2006/relationships" xmlns:p="http://schemas.openxmlformats.org/presentationml/2006/main">
-  <p:cSld>
-    <p:spTree>
-      <p:nvGrpSpPr>
-        <p:cNvPr id="1" name=""/>
-        <p:cNvGrpSpPr/>
-        <p:nvPr/>
-      </p:nvGrpSpPr>
-      <p:grpSpPr>
-        <a:xfrm>
-          <a:off x="0" y="0"/>
-          <a:ext cx="0" cy="0"/>
-          <a:chOff x="0" y="0"/>
-          <a:chExt cx="0" cy="0"/>
-        </a:xfrm>
-      </p:grpSpPr>
-      <p:pic>
-        <p:nvPicPr>
-          <p:cNvPr id="6" name="Picture 5">
-            <a:extLst>
-              <a:ext uri="{FF2B5EF4-FFF2-40B4-BE49-F238E27FC236}">
-                <a16:creationId xmlns:a16="http://schemas.microsoft.com/office/drawing/2014/main" id="{5724DE33-9FA7-4BE7-B533-FFB2E7565BA4}"/>
-              </a:ext>
-            </a:extLst>
-          </p:cNvPr>
-          <p:cNvPicPr>
-            <a:picLocks noChangeAspect="1"/>
-          </p:cNvPicPr>
-          <p:nvPr/>
-        </p:nvPicPr>
-        <p:blipFill>
-          <a:blip r:embed="rId2">
-            <a:extLst>
-              <a:ext uri="{28A0092B-C50C-407E-A947-70E740481C1C}">
-                <a14:useLocalDpi xmlns:a14="http://schemas.microsoft.com/office/drawing/2010/main" val="0"/>
-              </a:ext>
-            </a:extLst>
-          </a:blip>
-          <a:srcRect/>
-          <a:stretch/>
-        </p:blipFill>
-        <p:spPr>
-          <a:xfrm>
-            <a:off x="1083434" y="315756"/>
-            <a:ext cx="3141020" cy="1302555"/>
-          </a:xfrm>
-          <a:prstGeom prst="rect">
-            <a:avLst/>
-          </a:prstGeom>
-        </p:spPr>
-      </p:pic>
-      <p:pic>
-        <p:nvPicPr>
-          <p:cNvPr id="7" name="Picture 6">
-            <a:extLst>
-              <a:ext uri="{FF2B5EF4-FFF2-40B4-BE49-F238E27FC236}">
-                <a16:creationId xmlns:a16="http://schemas.microsoft.com/office/drawing/2014/main" id="{2DFA4132-7EA1-4E06-8B94-AC62A92E08EC}"/>
-              </a:ext>
-            </a:extLst>
-          </p:cNvPr>
-          <p:cNvPicPr>
-            <a:picLocks noChangeAspect="1"/>
-          </p:cNvPicPr>
-          <p:nvPr/>
-        </p:nvPicPr>
-        <p:blipFill>
-          <a:blip r:embed="rId3">
-            <a:extLst>
-              <a:ext uri="{28A0092B-C50C-407E-A947-70E740481C1C}">
-                <a14:useLocalDpi xmlns:a14="http://schemas.microsoft.com/office/drawing/2010/main" val="0"/>
-              </a:ext>
-            </a:extLst>
-          </a:blip>
-          <a:srcRect/>
-          <a:stretch/>
-        </p:blipFill>
-        <p:spPr>
-          <a:xfrm>
-            <a:off x="1083434" y="2463640"/>
-            <a:ext cx="3141020" cy="4084954"/>
-          </a:xfrm>
-          <a:prstGeom prst="rect">
-            <a:avLst/>
-          </a:prstGeom>
-        </p:spPr>
-      </p:pic>
-      <p:cxnSp>
-        <p:nvCxnSpPr>
-          <p:cNvPr id="8" name="Connector: Elbow 7">
-            <a:extLst>
-              <a:ext uri="{FF2B5EF4-FFF2-40B4-BE49-F238E27FC236}">
-                <a16:creationId xmlns:a16="http://schemas.microsoft.com/office/drawing/2014/main" id="{6CC671E3-68B2-4282-A90F-0332C863F52F}"/>
-              </a:ext>
-            </a:extLst>
-          </p:cNvPr>
-          <p:cNvCxnSpPr>
-            <a:cxnSpLocks/>
-            <a:stCxn id="6" idx="2"/>
-            <a:endCxn id="7" idx="0"/>
-          </p:cNvCxnSpPr>
-          <p:nvPr/>
-        </p:nvCxnSpPr>
-        <p:spPr>
-          <a:xfrm rot="5400000">
-            <a:off x="2231280" y="2040975"/>
-            <a:ext cx="845329" cy="12700"/>
-          </a:xfrm>
-          <a:prstGeom prst="bentConnector3">
-            <a:avLst>
-              <a:gd name="adj1" fmla="val 50000"/>
-            </a:avLst>
-          </a:prstGeom>
-          <a:ln w="25400" cap="flat">
-            <a:solidFill>
-              <a:srgbClr val="FF0000"/>
-            </a:solidFill>
-            <a:prstDash val="dash"/>
-            <a:miter lim="800000"/>
-            <a:headEnd type="triangle" w="lg" len="lg"/>
-            <a:tailEnd type="none" w="lg" len="lg"/>
-          </a:ln>
-        </p:spPr>
-        <p:style>
-          <a:lnRef idx="1">
-            <a:schemeClr val="accent1"/>
-          </a:lnRef>
-          <a:fillRef idx="0">
-            <a:schemeClr val="accent1"/>
-          </a:fillRef>
-          <a:effectRef idx="0">
-            <a:schemeClr val="accent1"/>
-          </a:effectRef>
-          <a:fontRef idx="minor">
-            <a:schemeClr val="tx1"/>
-          </a:fontRef>
-        </p:style>
-      </p:cxnSp>
-      <p:pic>
-        <p:nvPicPr>
-          <p:cNvPr id="17" name="Picture 16">
-            <a:extLst>
-              <a:ext uri="{FF2B5EF4-FFF2-40B4-BE49-F238E27FC236}">
-                <a16:creationId xmlns:a16="http://schemas.microsoft.com/office/drawing/2014/main" id="{FCED14D3-A37D-4F01-A2E3-F0195942907F}"/>
-              </a:ext>
-            </a:extLst>
-          </p:cNvPr>
-          <p:cNvPicPr>
-            <a:picLocks noChangeAspect="1"/>
-          </p:cNvPicPr>
-          <p:nvPr/>
-        </p:nvPicPr>
-        <p:blipFill>
-          <a:blip r:embed="rId4">
-            <a:extLst>
-              <a:ext uri="{28A0092B-C50C-407E-A947-70E740481C1C}">
-                <a14:useLocalDpi xmlns:a14="http://schemas.microsoft.com/office/drawing/2010/main" val="0"/>
-              </a:ext>
-            </a:extLst>
-          </a:blip>
-          <a:srcRect/>
-          <a:stretch/>
-        </p:blipFill>
-        <p:spPr>
-          <a:xfrm>
-            <a:off x="7209509" y="596166"/>
-            <a:ext cx="3141020" cy="741734"/>
-          </a:xfrm>
-          <a:prstGeom prst="rect">
-            <a:avLst/>
-          </a:prstGeom>
-        </p:spPr>
-      </p:pic>
-      <p:cxnSp>
-        <p:nvCxnSpPr>
-          <p:cNvPr id="18" name="Connector: Elbow 17">
-            <a:extLst>
-              <a:ext uri="{FF2B5EF4-FFF2-40B4-BE49-F238E27FC236}">
-                <a16:creationId xmlns:a16="http://schemas.microsoft.com/office/drawing/2014/main" id="{0C67FA86-A493-4570-8CA6-E1FA7B8586A0}"/>
-              </a:ext>
-            </a:extLst>
-          </p:cNvPr>
-          <p:cNvCxnSpPr>
-            <a:cxnSpLocks/>
-            <a:stCxn id="6" idx="3"/>
-            <a:endCxn id="17" idx="1"/>
-          </p:cNvCxnSpPr>
-          <p:nvPr/>
-        </p:nvCxnSpPr>
-        <p:spPr>
-          <a:xfrm flipV="1">
-            <a:off x="4224454" y="967033"/>
-            <a:ext cx="2985055" cy="1"/>
-          </a:xfrm>
-          <a:prstGeom prst="bentConnector3">
-            <a:avLst>
-              <a:gd name="adj1" fmla="val 50000"/>
-            </a:avLst>
-          </a:prstGeom>
-          <a:ln w="25400" cap="flat">
-            <a:solidFill>
-              <a:srgbClr val="FF0000"/>
-            </a:solidFill>
-            <a:prstDash val="dash"/>
-            <a:miter lim="800000"/>
-            <a:headEnd type="arrow" w="lg" len="lg"/>
-            <a:tailEnd type="arrow" w="lg" len="lg"/>
-          </a:ln>
-        </p:spPr>
-        <p:style>
-          <a:lnRef idx="1">
-            <a:schemeClr val="accent1"/>
-          </a:lnRef>
-          <a:fillRef idx="0">
-            <a:schemeClr val="accent1"/>
-          </a:fillRef>
-          <a:effectRef idx="0">
-            <a:schemeClr val="accent1"/>
-          </a:effectRef>
-          <a:fontRef idx="minor">
-            <a:schemeClr val="tx1"/>
-          </a:fontRef>
-        </p:style>
-      </p:cxnSp>
-      <p:pic>
-        <p:nvPicPr>
-          <p:cNvPr id="38" name="Picture 37">
-            <a:extLst>
-              <a:ext uri="{FF2B5EF4-FFF2-40B4-BE49-F238E27FC236}">
-                <a16:creationId xmlns:a16="http://schemas.microsoft.com/office/drawing/2014/main" id="{50BA05CB-84F4-47E5-912C-2AB0F2A53FBA}"/>
-              </a:ext>
-            </a:extLst>
-          </p:cNvPr>
-          <p:cNvPicPr>
-            <a:picLocks noChangeAspect="1"/>
-          </p:cNvPicPr>
-          <p:nvPr/>
-        </p:nvPicPr>
-        <p:blipFill>
-          <a:blip r:embed="rId5">
-            <a:extLst>
-              <a:ext uri="{28A0092B-C50C-407E-A947-70E740481C1C}">
-                <a14:useLocalDpi xmlns:a14="http://schemas.microsoft.com/office/drawing/2010/main" val="0"/>
-              </a:ext>
-            </a:extLst>
-          </a:blip>
-          <a:srcRect/>
-          <a:stretch/>
-        </p:blipFill>
-        <p:spPr>
-          <a:xfrm>
-            <a:off x="5556201" y="2222580"/>
-            <a:ext cx="3136678" cy="1184003"/>
-          </a:xfrm>
-          <a:prstGeom prst="rect">
-            <a:avLst/>
-          </a:prstGeom>
-        </p:spPr>
-      </p:pic>
-      <p:pic>
-        <p:nvPicPr>
-          <p:cNvPr id="42" name="Picture 41">
-            <a:extLst>
-              <a:ext uri="{FF2B5EF4-FFF2-40B4-BE49-F238E27FC236}">
-                <a16:creationId xmlns:a16="http://schemas.microsoft.com/office/drawing/2014/main" id="{FD5339B5-6A5A-4102-8CEA-209BC45DFC96}"/>
-              </a:ext>
-            </a:extLst>
-          </p:cNvPr>
-          <p:cNvPicPr>
-            <a:picLocks noChangeAspect="1"/>
-          </p:cNvPicPr>
-          <p:nvPr/>
-        </p:nvPicPr>
-        <p:blipFill>
-          <a:blip r:embed="rId5">
-            <a:extLst>
-              <a:ext uri="{28A0092B-C50C-407E-A947-70E740481C1C}">
-                <a14:useLocalDpi xmlns:a14="http://schemas.microsoft.com/office/drawing/2010/main" val="0"/>
-              </a:ext>
-            </a:extLst>
-          </a:blip>
-          <a:srcRect/>
-          <a:stretch/>
-        </p:blipFill>
-        <p:spPr>
-          <a:xfrm>
-            <a:off x="8848964" y="2222578"/>
-            <a:ext cx="3136678" cy="1184003"/>
-          </a:xfrm>
-          <a:prstGeom prst="rect">
-            <a:avLst/>
-          </a:prstGeom>
-        </p:spPr>
-      </p:pic>
-      <p:cxnSp>
-        <p:nvCxnSpPr>
-          <p:cNvPr id="43" name="Connector: Elbow 42">
-            <a:extLst>
-              <a:ext uri="{FF2B5EF4-FFF2-40B4-BE49-F238E27FC236}">
-                <a16:creationId xmlns:a16="http://schemas.microsoft.com/office/drawing/2014/main" id="{A9540ADC-8737-486C-B3D9-0BBCFF4425D6}"/>
-              </a:ext>
-            </a:extLst>
-          </p:cNvPr>
-          <p:cNvCxnSpPr>
-            <a:cxnSpLocks/>
-            <a:stCxn id="17" idx="2"/>
-            <a:endCxn id="38" idx="0"/>
-          </p:cNvCxnSpPr>
-          <p:nvPr/>
-        </p:nvCxnSpPr>
-        <p:spPr>
-          <a:xfrm rot="5400000">
-            <a:off x="7509940" y="952501"/>
-            <a:ext cx="884680" cy="1655479"/>
-          </a:xfrm>
-          <a:prstGeom prst="bentConnector3">
-            <a:avLst>
-              <a:gd name="adj1" fmla="val 50000"/>
-            </a:avLst>
-          </a:prstGeom>
-          <a:ln w="25400" cap="flat">
-            <a:solidFill>
-              <a:srgbClr val="FF0000"/>
-            </a:solidFill>
-            <a:prstDash val="dash"/>
-            <a:miter lim="800000"/>
-            <a:headEnd type="triangle" w="lg" len="lg"/>
-            <a:tailEnd type="none" w="lg" len="lg"/>
-          </a:ln>
-        </p:spPr>
-        <p:style>
-          <a:lnRef idx="1">
-            <a:schemeClr val="accent1"/>
-          </a:lnRef>
-          <a:fillRef idx="0">
-            <a:schemeClr val="accent1"/>
-          </a:fillRef>
-          <a:effectRef idx="0">
-            <a:schemeClr val="accent1"/>
-          </a:effectRef>
-          <a:fontRef idx="minor">
-            <a:schemeClr val="tx1"/>
-          </a:fontRef>
-        </p:style>
-      </p:cxnSp>
-      <p:cxnSp>
-        <p:nvCxnSpPr>
-          <p:cNvPr id="46" name="Connector: Elbow 45">
-            <a:extLst>
-              <a:ext uri="{FF2B5EF4-FFF2-40B4-BE49-F238E27FC236}">
-                <a16:creationId xmlns:a16="http://schemas.microsoft.com/office/drawing/2014/main" id="{11B54588-AB1F-404D-B622-25DE85F54711}"/>
-              </a:ext>
-            </a:extLst>
-          </p:cNvPr>
-          <p:cNvCxnSpPr>
-            <a:cxnSpLocks/>
-            <a:stCxn id="17" idx="2"/>
-            <a:endCxn id="42" idx="0"/>
-          </p:cNvCxnSpPr>
-          <p:nvPr/>
-        </p:nvCxnSpPr>
-        <p:spPr>
-          <a:xfrm rot="16200000" flipH="1">
-            <a:off x="9156322" y="961597"/>
-            <a:ext cx="884678" cy="1637284"/>
-          </a:xfrm>
-          <a:prstGeom prst="bentConnector3">
-            <a:avLst>
-              <a:gd name="adj1" fmla="val 50000"/>
-            </a:avLst>
-          </a:prstGeom>
-          <a:ln w="25400" cap="flat">
-            <a:solidFill>
-              <a:srgbClr val="FF0000"/>
-            </a:solidFill>
-            <a:prstDash val="dash"/>
-            <a:miter lim="800000"/>
-            <a:headEnd type="triangle" w="lg" len="lg"/>
-            <a:tailEnd type="none" w="lg" len="lg"/>
-          </a:ln>
-        </p:spPr>
-        <p:style>
-          <a:lnRef idx="1">
-            <a:schemeClr val="accent1"/>
-          </a:lnRef>
-          <a:fillRef idx="0">
-            <a:schemeClr val="accent1"/>
-          </a:fillRef>
-          <a:effectRef idx="0">
-            <a:schemeClr val="accent1"/>
-          </a:effectRef>
-          <a:fontRef idx="minor">
-            <a:schemeClr val="tx1"/>
-          </a:fontRef>
-        </p:style>
-      </p:cxnSp>
-      <p:pic>
-        <p:nvPicPr>
-          <p:cNvPr id="55" name="Picture 54">
-            <a:extLst>
-              <a:ext uri="{FF2B5EF4-FFF2-40B4-BE49-F238E27FC236}">
-                <a16:creationId xmlns:a16="http://schemas.microsoft.com/office/drawing/2014/main" id="{9209ED0B-9249-4EB4-BCF3-E1325F0882CE}"/>
-              </a:ext>
-            </a:extLst>
-          </p:cNvPr>
-          <p:cNvPicPr>
-            <a:picLocks noChangeAspect="1"/>
-          </p:cNvPicPr>
-          <p:nvPr/>
-        </p:nvPicPr>
-        <p:blipFill>
-          <a:blip r:embed="rId6">
-            <a:extLst>
-              <a:ext uri="{28A0092B-C50C-407E-A947-70E740481C1C}">
-                <a14:useLocalDpi xmlns:a14="http://schemas.microsoft.com/office/drawing/2010/main" val="0"/>
-              </a:ext>
-            </a:extLst>
-          </a:blip>
-          <a:srcRect/>
-          <a:stretch/>
-        </p:blipFill>
-        <p:spPr>
-          <a:xfrm>
-            <a:off x="7505993" y="3913999"/>
-            <a:ext cx="2548053" cy="2708486"/>
-          </a:xfrm>
-          <a:prstGeom prst="rect">
-            <a:avLst/>
-          </a:prstGeom>
-        </p:spPr>
-      </p:pic>
-      <p:cxnSp>
-        <p:nvCxnSpPr>
-          <p:cNvPr id="56" name="Connector: Elbow 55">
-            <a:extLst>
-              <a:ext uri="{FF2B5EF4-FFF2-40B4-BE49-F238E27FC236}">
-                <a16:creationId xmlns:a16="http://schemas.microsoft.com/office/drawing/2014/main" id="{B3415227-2F38-4783-BB88-CE4595222955}"/>
-              </a:ext>
-            </a:extLst>
-          </p:cNvPr>
-          <p:cNvCxnSpPr>
-            <a:cxnSpLocks/>
-            <a:stCxn id="7" idx="3"/>
-            <a:endCxn id="55" idx="1"/>
-          </p:cNvCxnSpPr>
-          <p:nvPr/>
-        </p:nvCxnSpPr>
-        <p:spPr>
-          <a:xfrm>
-            <a:off x="4224454" y="4506117"/>
-            <a:ext cx="3281539" cy="762125"/>
-          </a:xfrm>
-          <a:prstGeom prst="bentConnector3">
-            <a:avLst>
-              <a:gd name="adj1" fmla="val 50000"/>
-            </a:avLst>
-          </a:prstGeom>
-          <a:ln w="25400" cap="flat">
-            <a:solidFill>
-              <a:srgbClr val="FF0000"/>
-            </a:solidFill>
-            <a:prstDash val="solid"/>
-            <a:miter lim="800000"/>
-            <a:headEnd type="triangle" w="lg" len="lg"/>
-            <a:tailEnd type="none" w="lg" len="lg"/>
-          </a:ln>
-        </p:spPr>
-        <p:style>
-          <a:lnRef idx="1">
-            <a:schemeClr val="accent1"/>
-          </a:lnRef>
-          <a:fillRef idx="0">
-            <a:schemeClr val="accent1"/>
-          </a:fillRef>
-          <a:effectRef idx="0">
-            <a:schemeClr val="accent1"/>
-          </a:effectRef>
-          <a:fontRef idx="minor">
-            <a:schemeClr val="tx1"/>
-          </a:fontRef>
-        </p:style>
-      </p:cxnSp>
-      <p:cxnSp>
-        <p:nvCxnSpPr>
-          <p:cNvPr id="59" name="Connector: Elbow 58">
-            <a:extLst>
-              <a:ext uri="{FF2B5EF4-FFF2-40B4-BE49-F238E27FC236}">
-                <a16:creationId xmlns:a16="http://schemas.microsoft.com/office/drawing/2014/main" id="{E615BFC2-8155-41B8-B448-82FA72DE5936}"/>
-              </a:ext>
-            </a:extLst>
-          </p:cNvPr>
-          <p:cNvCxnSpPr>
-            <a:cxnSpLocks/>
-            <a:stCxn id="38" idx="2"/>
-            <a:endCxn id="55" idx="0"/>
-          </p:cNvCxnSpPr>
-          <p:nvPr/>
-        </p:nvCxnSpPr>
-        <p:spPr>
-          <a:xfrm rot="16200000" flipH="1">
-            <a:off x="7698572" y="2832551"/>
-            <a:ext cx="507416" cy="1655480"/>
-          </a:xfrm>
-          <a:prstGeom prst="bentConnector3">
-            <a:avLst>
-              <a:gd name="adj1" fmla="val 50000"/>
-            </a:avLst>
-          </a:prstGeom>
-          <a:ln w="25400" cap="flat">
-            <a:solidFill>
-              <a:srgbClr val="FF0000"/>
-            </a:solidFill>
-            <a:prstDash val="solid"/>
-            <a:miter lim="800000"/>
-            <a:headEnd type="triangle" w="lg" len="lg"/>
-            <a:tailEnd type="none" w="lg" len="lg"/>
-          </a:ln>
-        </p:spPr>
-        <p:style>
-          <a:lnRef idx="1">
-            <a:schemeClr val="accent1"/>
-          </a:lnRef>
-          <a:fillRef idx="0">
-            <a:schemeClr val="accent1"/>
-          </a:fillRef>
-          <a:effectRef idx="0">
-            <a:schemeClr val="accent1"/>
-          </a:effectRef>
-          <a:fontRef idx="minor">
-            <a:schemeClr val="tx1"/>
-          </a:fontRef>
-        </p:style>
-      </p:cxnSp>
-      <p:cxnSp>
-        <p:nvCxnSpPr>
-          <p:cNvPr id="62" name="Connector: Elbow 61">
-            <a:extLst>
-              <a:ext uri="{FF2B5EF4-FFF2-40B4-BE49-F238E27FC236}">
-                <a16:creationId xmlns:a16="http://schemas.microsoft.com/office/drawing/2014/main" id="{8B46FCA5-AE3C-4253-A458-839CFB5D927B}"/>
-              </a:ext>
-            </a:extLst>
-          </p:cNvPr>
-          <p:cNvCxnSpPr>
-            <a:cxnSpLocks/>
-            <a:stCxn id="42" idx="2"/>
-            <a:endCxn id="55" idx="0"/>
-          </p:cNvCxnSpPr>
-          <p:nvPr/>
-        </p:nvCxnSpPr>
-        <p:spPr>
-          <a:xfrm rot="5400000">
-            <a:off x="9344953" y="2841649"/>
-            <a:ext cx="507418" cy="1637283"/>
-          </a:xfrm>
-          <a:prstGeom prst="bentConnector3">
-            <a:avLst>
-              <a:gd name="adj1" fmla="val 50000"/>
-            </a:avLst>
-          </a:prstGeom>
-          <a:ln w="25400" cap="flat">
-            <a:solidFill>
-              <a:srgbClr val="FF0000"/>
-            </a:solidFill>
-            <a:prstDash val="solid"/>
-            <a:miter lim="800000"/>
-            <a:headEnd type="triangle" w="lg" len="lg"/>
-            <a:tailEnd type="none" w="lg" len="lg"/>
-          </a:ln>
-        </p:spPr>
-        <p:style>
-          <a:lnRef idx="1">
-            <a:schemeClr val="accent1"/>
-          </a:lnRef>
-          <a:fillRef idx="0">
-            <a:schemeClr val="accent1"/>
-          </a:fillRef>
-          <a:effectRef idx="0">
-            <a:schemeClr val="accent1"/>
-          </a:effectRef>
-          <a:fontRef idx="minor">
-            <a:schemeClr val="tx1"/>
-          </a:fontRef>
-        </p:style>
-      </p:cxnSp>
-    </p:spTree>
-    <p:extLst>
-      <p:ext uri="{BB962C8B-B14F-4D97-AF65-F5344CB8AC3E}">
-        <p14:creationId xmlns:p14="http://schemas.microsoft.com/office/powerpoint/2010/main" val="2074442753"/>
-      </p:ext>
-    </p:extLst>
-  </p:cSld>
-  <p:clrMapOvr>
-    <a:masterClrMapping/>
-  </p:clrMapOvr>
-</p:sld>
-</file>
-
-<file path=ppt/slides/slide7.xml><?xml version="1.0" encoding="utf-8"?>
-<p:sld xmlns:a="http://schemas.openxmlformats.org/drawingml/2006/main" xmlns:r="http://schemas.openxmlformats.org/officeDocument/2006/relationships" xmlns:p="http://schemas.openxmlformats.org/presentationml/2006/main">
-  <p:cSld>
-    <p:spTree>
-      <p:nvGrpSpPr>
-        <p:cNvPr id="1" name=""/>
-        <p:cNvGrpSpPr/>
-        <p:nvPr/>
-      </p:nvGrpSpPr>
-      <p:grpSpPr>
-        <a:xfrm>
-          <a:off x="0" y="0"/>
-          <a:ext cx="0" cy="0"/>
-          <a:chOff x="0" y="0"/>
-          <a:chExt cx="0" cy="0"/>
-        </a:xfrm>
-      </p:grpSpPr>
-      <p:pic>
-        <p:nvPicPr>
-          <p:cNvPr id="5" name="Picture 4">
-            <a:extLst>
-              <a:ext uri="{FF2B5EF4-FFF2-40B4-BE49-F238E27FC236}">
-                <a16:creationId xmlns:a16="http://schemas.microsoft.com/office/drawing/2014/main" id="{33C8BA57-9912-42BC-A5FA-33F3A33CF2E7}"/>
-              </a:ext>
-            </a:extLst>
-          </p:cNvPr>
-          <p:cNvPicPr>
-            <a:picLocks noChangeAspect="1"/>
-          </p:cNvPicPr>
-          <p:nvPr/>
-        </p:nvPicPr>
-        <p:blipFill>
-          <a:blip r:embed="rId2">
-            <a:extLst>
-              <a:ext uri="{28A0092B-C50C-407E-A947-70E740481C1C}">
-                <a14:useLocalDpi xmlns:a14="http://schemas.microsoft.com/office/drawing/2010/main" val="0"/>
-              </a:ext>
-            </a:extLst>
-          </a:blip>
-          <a:stretch>
-            <a:fillRect/>
-          </a:stretch>
-        </p:blipFill>
-        <p:spPr>
-          <a:xfrm>
-            <a:off x="-568037" y="156173"/>
-            <a:ext cx="13328074" cy="1483207"/>
-          </a:xfrm>
-          <a:prstGeom prst="rect">
-            <a:avLst/>
-          </a:prstGeom>
-        </p:spPr>
-      </p:pic>
-      <p:sp>
-        <p:nvSpPr>
-          <p:cNvPr id="11" name="Title 1">
-            <a:extLst>
-              <a:ext uri="{FF2B5EF4-FFF2-40B4-BE49-F238E27FC236}">
-                <a16:creationId xmlns:a16="http://schemas.microsoft.com/office/drawing/2014/main" id="{5596D7A3-0BD7-4024-BF8F-E006FAB1D0DE}"/>
-              </a:ext>
-            </a:extLst>
-          </p:cNvPr>
-          <p:cNvSpPr>
-            <a:spLocks noGrp="1"/>
-          </p:cNvSpPr>
-          <p:nvPr>
-            <p:ph type="ctrTitle"/>
-          </p:nvPr>
-        </p:nvSpPr>
-        <p:spPr>
-          <a:xfrm>
-            <a:off x="1010653" y="382402"/>
-            <a:ext cx="10170694" cy="1030747"/>
-          </a:xfrm>
-          <a:ln>
-            <a:noFill/>
-          </a:ln>
-        </p:spPr>
-        <p:txBody>
-          <a:bodyPr>
-            <a:noAutofit/>
-          </a:bodyPr>
-          <a:lstStyle/>
-          <a:p>
-            <a:r>
-              <a:rPr lang="bg-BG" b="1" i="1" dirty="0">
-                <a:ln w="19050">
-                  <a:solidFill>
-                    <a:schemeClr val="tx1"/>
-                  </a:solidFill>
-                </a:ln>
-                <a:solidFill>
-                  <a:schemeClr val="bg1"/>
-                </a:solidFill>
-                <a:latin typeface="Arial Black" panose="020B0A04020102020204" pitchFamily="34" charset="0"/>
-              </a:rPr>
-              <a:t>Състояние</a:t>
-            </a:r>
-            <a:endParaRPr lang="en-US" b="1" i="1" dirty="0">
-              <a:ln w="19050">
-                <a:solidFill>
-                  <a:schemeClr val="tx1"/>
-                </a:solidFill>
-              </a:ln>
-              <a:solidFill>
-                <a:schemeClr val="bg1"/>
-              </a:solidFill>
-              <a:latin typeface="Handel Gothic" pitchFamily="2" charset="0"/>
-            </a:endParaRPr>
-          </a:p>
-        </p:txBody>
-      </p:sp>
-      <p:pic>
-        <p:nvPicPr>
-          <p:cNvPr id="3" name="Picture 2">
-            <a:extLst>
-              <a:ext uri="{FF2B5EF4-FFF2-40B4-BE49-F238E27FC236}">
-                <a16:creationId xmlns:a16="http://schemas.microsoft.com/office/drawing/2014/main" id="{F04034A0-AC81-4DF4-8F48-B5437E50552F}"/>
-              </a:ext>
-            </a:extLst>
-          </p:cNvPr>
-          <p:cNvPicPr>
-            <a:picLocks noChangeAspect="1"/>
-          </p:cNvPicPr>
-          <p:nvPr/>
-        </p:nvPicPr>
-        <p:blipFill>
-          <a:blip r:embed="rId3">
-            <a:extLst>
-              <a:ext uri="{28A0092B-C50C-407E-A947-70E740481C1C}">
-                <a14:useLocalDpi xmlns:a14="http://schemas.microsoft.com/office/drawing/2010/main" val="0"/>
-              </a:ext>
-            </a:extLst>
-          </a:blip>
-          <a:stretch>
-            <a:fillRect/>
-          </a:stretch>
-        </p:blipFill>
-        <p:spPr>
-          <a:xfrm>
-            <a:off x="3048000" y="2179782"/>
-            <a:ext cx="6096000" cy="3810000"/>
-          </a:xfrm>
-          <a:prstGeom prst="rect">
-            <a:avLst/>
-          </a:prstGeom>
-        </p:spPr>
-      </p:pic>
-    </p:spTree>
-    <p:extLst>
-      <p:ext uri="{BB962C8B-B14F-4D97-AF65-F5344CB8AC3E}">
-        <p14:creationId xmlns:p14="http://schemas.microsoft.com/office/powerpoint/2010/main" val="2202609908"/>
-      </p:ext>
-    </p:extLst>
-  </p:cSld>
-  <p:clrMapOvr>
-    <a:masterClrMapping/>
-  </p:clrMapOvr>
-</p:sld>
-</file>
-
-<file path=ppt/slides/slide8.xml><?xml version="1.0" encoding="utf-8"?>
-<p:sld xmlns:a="http://schemas.openxmlformats.org/drawingml/2006/main" xmlns:r="http://schemas.openxmlformats.org/officeDocument/2006/relationships" xmlns:p="http://schemas.openxmlformats.org/presentationml/2006/main">
-  <p:cSld>
-    <p:spTree>
-      <p:nvGrpSpPr>
-        <p:cNvPr id="1" name=""/>
-        <p:cNvGrpSpPr/>
-        <p:nvPr/>
-      </p:nvGrpSpPr>
-      <p:grpSpPr>
-        <a:xfrm>
-          <a:off x="0" y="0"/>
-          <a:ext cx="0" cy="0"/>
-          <a:chOff x="0" y="0"/>
-          <a:chExt cx="0" cy="0"/>
-        </a:xfrm>
-      </p:grpSpPr>
-      <p:pic>
-        <p:nvPicPr>
-          <p:cNvPr id="6" name="Picture 5">
-            <a:extLst>
-              <a:ext uri="{FF2B5EF4-FFF2-40B4-BE49-F238E27FC236}">
-                <a16:creationId xmlns:a16="http://schemas.microsoft.com/office/drawing/2014/main" id="{3A014B6B-9558-4A90-91A8-EB64C5940836}"/>
-              </a:ext>
-            </a:extLst>
-          </p:cNvPr>
-          <p:cNvPicPr>
-            <a:picLocks noChangeAspect="1"/>
-          </p:cNvPicPr>
-          <p:nvPr/>
-        </p:nvPicPr>
-        <p:blipFill>
-          <a:blip r:embed="rId2">
-            <a:extLst>
-              <a:ext uri="{28A0092B-C50C-407E-A947-70E740481C1C}">
-                <a14:useLocalDpi xmlns:a14="http://schemas.microsoft.com/office/drawing/2010/main" val="0"/>
-              </a:ext>
-            </a:extLst>
-          </a:blip>
-          <a:stretch>
-            <a:fillRect/>
-          </a:stretch>
-        </p:blipFill>
-        <p:spPr>
-          <a:xfrm>
-            <a:off x="943462" y="299818"/>
-            <a:ext cx="3553922" cy="3395383"/>
-          </a:xfrm>
-          <a:prstGeom prst="rect">
-            <a:avLst/>
-          </a:prstGeom>
-        </p:spPr>
-      </p:pic>
-      <p:pic>
-        <p:nvPicPr>
-          <p:cNvPr id="8" name="Picture 7">
-            <a:extLst>
-              <a:ext uri="{FF2B5EF4-FFF2-40B4-BE49-F238E27FC236}">
-                <a16:creationId xmlns:a16="http://schemas.microsoft.com/office/drawing/2014/main" id="{7955D426-4E00-4FBE-B0C0-0CA7B2AB7B59}"/>
-              </a:ext>
-            </a:extLst>
-          </p:cNvPr>
-          <p:cNvPicPr>
-            <a:picLocks noChangeAspect="1"/>
-          </p:cNvPicPr>
-          <p:nvPr/>
-        </p:nvPicPr>
-        <p:blipFill>
-          <a:blip r:embed="rId3">
-            <a:extLst>
-              <a:ext uri="{28A0092B-C50C-407E-A947-70E740481C1C}">
-                <a14:useLocalDpi xmlns:a14="http://schemas.microsoft.com/office/drawing/2010/main" val="0"/>
-              </a:ext>
-            </a:extLst>
-          </a:blip>
-          <a:stretch>
-            <a:fillRect/>
-          </a:stretch>
-        </p:blipFill>
-        <p:spPr>
-          <a:xfrm>
-            <a:off x="6564344" y="821777"/>
-            <a:ext cx="3553921" cy="2351467"/>
-          </a:xfrm>
-          <a:prstGeom prst="rect">
-            <a:avLst/>
-          </a:prstGeom>
-        </p:spPr>
-      </p:pic>
-      <p:pic>
-        <p:nvPicPr>
-          <p:cNvPr id="10" name="Picture 9">
-            <a:extLst>
-              <a:ext uri="{FF2B5EF4-FFF2-40B4-BE49-F238E27FC236}">
-                <a16:creationId xmlns:a16="http://schemas.microsoft.com/office/drawing/2014/main" id="{365C4DBA-64ED-4A6E-95E0-0281E910AFD2}"/>
-              </a:ext>
-            </a:extLst>
-          </p:cNvPr>
-          <p:cNvPicPr>
-            <a:picLocks noChangeAspect="1"/>
-          </p:cNvPicPr>
-          <p:nvPr/>
-        </p:nvPicPr>
-        <p:blipFill>
-          <a:blip r:embed="rId4">
-            <a:extLst>
-              <a:ext uri="{28A0092B-C50C-407E-A947-70E740481C1C}">
-                <a14:useLocalDpi xmlns:a14="http://schemas.microsoft.com/office/drawing/2010/main" val="0"/>
-              </a:ext>
-            </a:extLst>
-          </a:blip>
-          <a:stretch>
-            <a:fillRect/>
-          </a:stretch>
-        </p:blipFill>
-        <p:spPr>
-          <a:xfrm>
-            <a:off x="4593175" y="4362966"/>
-            <a:ext cx="3555671" cy="1673257"/>
-          </a:xfrm>
-          <a:prstGeom prst="rect">
-            <a:avLst/>
-          </a:prstGeom>
-        </p:spPr>
-      </p:pic>
-      <p:pic>
-        <p:nvPicPr>
-          <p:cNvPr id="13" name="Picture 12">
-            <a:extLst>
-              <a:ext uri="{FF2B5EF4-FFF2-40B4-BE49-F238E27FC236}">
-                <a16:creationId xmlns:a16="http://schemas.microsoft.com/office/drawing/2014/main" id="{BAE2133D-A695-42A0-9156-EBBC9E25F1CB}"/>
-              </a:ext>
-            </a:extLst>
-          </p:cNvPr>
-          <p:cNvPicPr>
-            <a:picLocks noChangeAspect="1"/>
-          </p:cNvPicPr>
-          <p:nvPr/>
-        </p:nvPicPr>
-        <p:blipFill>
-          <a:blip r:embed="rId5">
-            <a:extLst>
-              <a:ext uri="{28A0092B-C50C-407E-A947-70E740481C1C}">
-                <a14:useLocalDpi xmlns:a14="http://schemas.microsoft.com/office/drawing/2010/main" val="0"/>
-              </a:ext>
-            </a:extLst>
-          </a:blip>
-          <a:stretch>
-            <a:fillRect/>
-          </a:stretch>
-        </p:blipFill>
-        <p:spPr>
-          <a:xfrm>
-            <a:off x="8356005" y="4362965"/>
-            <a:ext cx="3524520" cy="1673257"/>
-          </a:xfrm>
-          <a:prstGeom prst="rect">
-            <a:avLst/>
-          </a:prstGeom>
-        </p:spPr>
-      </p:pic>
-      <p:cxnSp>
-        <p:nvCxnSpPr>
-          <p:cNvPr id="14" name="Connector: Elbow 13">
-            <a:extLst>
-              <a:ext uri="{FF2B5EF4-FFF2-40B4-BE49-F238E27FC236}">
-                <a16:creationId xmlns:a16="http://schemas.microsoft.com/office/drawing/2014/main" id="{377A3F3F-A4E8-41EE-A031-ADAA33C6237A}"/>
-              </a:ext>
-            </a:extLst>
-          </p:cNvPr>
-          <p:cNvCxnSpPr>
-            <a:cxnSpLocks/>
-            <a:stCxn id="8" idx="2"/>
-            <a:endCxn id="10" idx="0"/>
-          </p:cNvCxnSpPr>
-          <p:nvPr/>
-        </p:nvCxnSpPr>
-        <p:spPr>
-          <a:xfrm rot="5400000">
-            <a:off x="6761297" y="2782958"/>
-            <a:ext cx="1189722" cy="1970294"/>
-          </a:xfrm>
-          <a:prstGeom prst="bentConnector3">
-            <a:avLst>
-              <a:gd name="adj1" fmla="val 50000"/>
-            </a:avLst>
-          </a:prstGeom>
-          <a:ln w="25400" cap="flat">
-            <a:solidFill>
-              <a:srgbClr val="FF0000"/>
-            </a:solidFill>
-            <a:prstDash val="dash"/>
-            <a:miter lim="800000"/>
-            <a:headEnd type="triangle" w="lg" len="lg"/>
-            <a:tailEnd type="none" w="lg" len="lg"/>
-          </a:ln>
-        </p:spPr>
-        <p:style>
-          <a:lnRef idx="1">
-            <a:schemeClr val="accent1"/>
-          </a:lnRef>
-          <a:fillRef idx="0">
-            <a:schemeClr val="accent1"/>
-          </a:fillRef>
-          <a:effectRef idx="0">
-            <a:schemeClr val="accent1"/>
-          </a:effectRef>
-          <a:fontRef idx="minor">
-            <a:schemeClr val="tx1"/>
-          </a:fontRef>
-        </p:style>
-      </p:cxnSp>
-      <p:cxnSp>
-        <p:nvCxnSpPr>
-          <p:cNvPr id="17" name="Connector: Elbow 16">
-            <a:extLst>
-              <a:ext uri="{FF2B5EF4-FFF2-40B4-BE49-F238E27FC236}">
-                <a16:creationId xmlns:a16="http://schemas.microsoft.com/office/drawing/2014/main" id="{5F0E0AEC-8CF4-4FD4-A31C-7B47F56D2E95}"/>
-              </a:ext>
-            </a:extLst>
-          </p:cNvPr>
-          <p:cNvCxnSpPr>
-            <a:cxnSpLocks/>
-            <a:stCxn id="8" idx="2"/>
-            <a:endCxn id="13" idx="0"/>
-          </p:cNvCxnSpPr>
-          <p:nvPr/>
-        </p:nvCxnSpPr>
-        <p:spPr>
-          <a:xfrm rot="16200000" flipH="1">
-            <a:off x="8634925" y="2879624"/>
-            <a:ext cx="1189721" cy="1776960"/>
-          </a:xfrm>
-          <a:prstGeom prst="bentConnector3">
-            <a:avLst>
-              <a:gd name="adj1" fmla="val 50000"/>
-            </a:avLst>
-          </a:prstGeom>
-          <a:ln w="25400" cap="flat">
-            <a:solidFill>
-              <a:srgbClr val="FF0000"/>
-            </a:solidFill>
-            <a:prstDash val="dash"/>
-            <a:miter lim="800000"/>
-            <a:headEnd type="triangle" w="lg" len="lg"/>
-            <a:tailEnd type="none" w="lg" len="lg"/>
-          </a:ln>
-        </p:spPr>
-        <p:style>
-          <a:lnRef idx="1">
-            <a:schemeClr val="accent1"/>
-          </a:lnRef>
-          <a:fillRef idx="0">
-            <a:schemeClr val="accent1"/>
-          </a:fillRef>
-          <a:effectRef idx="0">
-            <a:schemeClr val="accent1"/>
-          </a:effectRef>
-          <a:fontRef idx="minor">
-            <a:schemeClr val="tx1"/>
-          </a:fontRef>
-        </p:style>
-      </p:cxnSp>
-      <p:cxnSp>
-        <p:nvCxnSpPr>
-          <p:cNvPr id="20" name="Connector: Elbow 19">
-            <a:extLst>
-              <a:ext uri="{FF2B5EF4-FFF2-40B4-BE49-F238E27FC236}">
-                <a16:creationId xmlns:a16="http://schemas.microsoft.com/office/drawing/2014/main" id="{050EBA4D-65D0-41EB-A00A-BE802D084239}"/>
-              </a:ext>
-            </a:extLst>
-          </p:cNvPr>
-          <p:cNvCxnSpPr>
-            <a:cxnSpLocks/>
-            <a:stCxn id="6" idx="3"/>
-            <a:endCxn id="8" idx="1"/>
-          </p:cNvCxnSpPr>
-          <p:nvPr/>
-        </p:nvCxnSpPr>
-        <p:spPr>
-          <a:xfrm>
-            <a:off x="4497384" y="1997510"/>
-            <a:ext cx="2066960" cy="1"/>
-          </a:xfrm>
-          <a:prstGeom prst="bentConnector3">
-            <a:avLst>
-              <a:gd name="adj1" fmla="val 49106"/>
-            </a:avLst>
-          </a:prstGeom>
-          <a:ln w="25400" cap="flat">
-            <a:solidFill>
-              <a:srgbClr val="FF0000"/>
-            </a:solidFill>
-            <a:prstDash val="dash"/>
-            <a:miter lim="800000"/>
-            <a:headEnd type="diamond" w="lg" len="lg"/>
-            <a:tailEnd type="arrow" w="lg" len="lg"/>
-          </a:ln>
-        </p:spPr>
-        <p:style>
-          <a:lnRef idx="1">
-            <a:schemeClr val="accent1"/>
-          </a:lnRef>
-          <a:fillRef idx="0">
-            <a:schemeClr val="accent1"/>
-          </a:fillRef>
-          <a:effectRef idx="0">
-            <a:schemeClr val="accent1"/>
-          </a:effectRef>
-          <a:fontRef idx="minor">
-            <a:schemeClr val="tx1"/>
-          </a:fontRef>
-        </p:style>
-      </p:cxnSp>
-    </p:spTree>
-    <p:extLst>
-      <p:ext uri="{BB962C8B-B14F-4D97-AF65-F5344CB8AC3E}">
-        <p14:creationId xmlns:p14="http://schemas.microsoft.com/office/powerpoint/2010/main" val="3206031390"/>
-      </p:ext>
-    </p:extLst>
-  </p:cSld>
-  <p:clrMapOvr>
-    <a:masterClrMapping/>
-  </p:clrMapOvr>
-</p:sld>
-</file>
-
 <file path=ppt/slides/slide9.xml><?xml version="1.0" encoding="utf-8"?>
 <p:sld xmlns:a="http://schemas.openxmlformats.org/drawingml/2006/main" xmlns:r="http://schemas.openxmlformats.org/officeDocument/2006/relationships" xmlns:p="http://schemas.openxmlformats.org/presentationml/2006/main">
   <p:cSld>
@@ -7258,7 +6015,7 @@
                 </a:solidFill>
                 <a:latin typeface="Arial Black" panose="020B0A04020102020204" pitchFamily="34" charset="0"/>
               </a:rPr>
-              <a:t>Верига отговорности</a:t>
+              <a:t>Състояние</a:t>
             </a:r>
             <a:endParaRPr lang="en-US" b="1" i="1" dirty="0">
               <a:ln w="19050">
@@ -7274,10 +6031,46 @@
           </a:p>
         </p:txBody>
       </p:sp>
+      <p:pic>
+        <p:nvPicPr>
+          <p:cNvPr id="3" name="Picture 2">
+            <a:extLst>
+              <a:ext uri="{FF2B5EF4-FFF2-40B4-BE49-F238E27FC236}">
+                <a16:creationId xmlns:a16="http://schemas.microsoft.com/office/drawing/2014/main" id="{F04034A0-AC81-4DF4-8F48-B5437E50552F}"/>
+              </a:ext>
+            </a:extLst>
+          </p:cNvPr>
+          <p:cNvPicPr>
+            <a:picLocks noChangeAspect="1"/>
+          </p:cNvPicPr>
+          <p:nvPr/>
+        </p:nvPicPr>
+        <p:blipFill>
+          <a:blip r:embed="rId3">
+            <a:extLst>
+              <a:ext uri="{28A0092B-C50C-407E-A947-70E740481C1C}">
+                <a14:useLocalDpi xmlns:a14="http://schemas.microsoft.com/office/drawing/2010/main" val="0"/>
+              </a:ext>
+            </a:extLst>
+          </a:blip>
+          <a:stretch>
+            <a:fillRect/>
+          </a:stretch>
+        </p:blipFill>
+        <p:spPr>
+          <a:xfrm>
+            <a:off x="3048000" y="2179782"/>
+            <a:ext cx="6096000" cy="3810000"/>
+          </a:xfrm>
+          <a:prstGeom prst="rect">
+            <a:avLst/>
+          </a:prstGeom>
+        </p:spPr>
+      </p:pic>
     </p:spTree>
     <p:extLst>
       <p:ext uri="{BB962C8B-B14F-4D97-AF65-F5344CB8AC3E}">
-        <p14:creationId xmlns:p14="http://schemas.microsoft.com/office/powerpoint/2010/main" val="2520191196"/>
+        <p14:creationId xmlns:p14="http://schemas.microsoft.com/office/powerpoint/2010/main" val="2202609908"/>
       </p:ext>
     </p:extLst>
   </p:cSld>
@@ -7546,4 +6339,299 @@
     </a:ext>
   </a:extLst>
 </a:theme>
+</file>
+
+<file path=ppt/theme/theme2.xml><?xml version="1.0" encoding="utf-8"?>
+<a:theme xmlns:a="http://schemas.openxmlformats.org/drawingml/2006/main" name="Office Theme">
+  <a:themeElements>
+    <a:clrScheme name="Office">
+      <a:dk1>
+        <a:sysClr val="windowText" lastClr="000000"/>
+      </a:dk1>
+      <a:lt1>
+        <a:sysClr val="window" lastClr="FFFFFF"/>
+      </a:lt1>
+      <a:dk2>
+        <a:srgbClr val="44546A"/>
+      </a:dk2>
+      <a:lt2>
+        <a:srgbClr val="E7E6E6"/>
+      </a:lt2>
+      <a:accent1>
+        <a:srgbClr val="4472C4"/>
+      </a:accent1>
+      <a:accent2>
+        <a:srgbClr val="ED7D31"/>
+      </a:accent2>
+      <a:accent3>
+        <a:srgbClr val="A5A5A5"/>
+      </a:accent3>
+      <a:accent4>
+        <a:srgbClr val="FFC000"/>
+      </a:accent4>
+      <a:accent5>
+        <a:srgbClr val="5B9BD5"/>
+      </a:accent5>
+      <a:accent6>
+        <a:srgbClr val="70AD47"/>
+      </a:accent6>
+      <a:hlink>
+        <a:srgbClr val="0563C1"/>
+      </a:hlink>
+      <a:folHlink>
+        <a:srgbClr val="954F72"/>
+      </a:folHlink>
+    </a:clrScheme>
+    <a:fontScheme name="Office">
+      <a:majorFont>
+        <a:latin typeface="Calibri Light" panose="020F0302020204030204"/>
+        <a:ea typeface=""/>
+        <a:cs typeface=""/>
+        <a:font script="Jpan" typeface="游ゴシック Light"/>
+        <a:font script="Hang" typeface="맑은 고딕"/>
+        <a:font script="Hans" typeface="等线 Light"/>
+        <a:font script="Hant" typeface="新細明體"/>
+        <a:font script="Arab" typeface="Times New Roman"/>
+        <a:font script="Hebr" typeface="Times New Roman"/>
+        <a:font script="Thai" typeface="Angsana New"/>
+        <a:font script="Ethi" typeface="Nyala"/>
+        <a:font script="Beng" typeface="Vrinda"/>
+        <a:font script="Gujr" typeface="Shruti"/>
+        <a:font script="Khmr" typeface="MoolBoran"/>
+        <a:font script="Knda" typeface="Tunga"/>
+        <a:font script="Guru" typeface="Raavi"/>
+        <a:font script="Cans" typeface="Euphemia"/>
+        <a:font script="Cher" typeface="Plantagenet Cherokee"/>
+        <a:font script="Yiii" typeface="Microsoft Yi Baiti"/>
+        <a:font script="Tibt" typeface="Microsoft Himalaya"/>
+        <a:font script="Thaa" typeface="MV Boli"/>
+        <a:font script="Deva" typeface="Mangal"/>
+        <a:font script="Telu" typeface="Gautami"/>
+        <a:font script="Taml" typeface="Latha"/>
+        <a:font script="Syrc" typeface="Estrangelo Edessa"/>
+        <a:font script="Orya" typeface="Kalinga"/>
+        <a:font script="Mlym" typeface="Kartika"/>
+        <a:font script="Laoo" typeface="DokChampa"/>
+        <a:font script="Sinh" typeface="Iskoola Pota"/>
+        <a:font script="Mong" typeface="Mongolian Baiti"/>
+        <a:font script="Viet" typeface="Times New Roman"/>
+        <a:font script="Uigh" typeface="Microsoft Uighur"/>
+        <a:font script="Geor" typeface="Sylfaen"/>
+        <a:font script="Armn" typeface="Arial"/>
+        <a:font script="Bugi" typeface="Leelawadee UI"/>
+        <a:font script="Bopo" typeface="Microsoft JhengHei"/>
+        <a:font script="Java" typeface="Javanese Text"/>
+        <a:font script="Lisu" typeface="Segoe UI"/>
+        <a:font script="Mymr" typeface="Myanmar Text"/>
+        <a:font script="Nkoo" typeface="Ebrima"/>
+        <a:font script="Olck" typeface="Nirmala UI"/>
+        <a:font script="Osma" typeface="Ebrima"/>
+        <a:font script="Phag" typeface="Phagspa"/>
+        <a:font script="Syrn" typeface="Estrangelo Edessa"/>
+        <a:font script="Syrj" typeface="Estrangelo Edessa"/>
+        <a:font script="Syre" typeface="Estrangelo Edessa"/>
+        <a:font script="Sora" typeface="Nirmala UI"/>
+        <a:font script="Tale" typeface="Microsoft Tai Le"/>
+        <a:font script="Talu" typeface="Microsoft New Tai Lue"/>
+        <a:font script="Tfng" typeface="Ebrima"/>
+      </a:majorFont>
+      <a:minorFont>
+        <a:latin typeface="Calibri" panose="020F0502020204030204"/>
+        <a:ea typeface=""/>
+        <a:cs typeface=""/>
+        <a:font script="Jpan" typeface="游ゴシック"/>
+        <a:font script="Hang" typeface="맑은 고딕"/>
+        <a:font script="Hans" typeface="等线"/>
+        <a:font script="Hant" typeface="新細明體"/>
+        <a:font script="Arab" typeface="Arial"/>
+        <a:font script="Hebr" typeface="Arial"/>
+        <a:font script="Thai" typeface="Cordia New"/>
+        <a:font script="Ethi" typeface="Nyala"/>
+        <a:font script="Beng" typeface="Vrinda"/>
+        <a:font script="Gujr" typeface="Shruti"/>
+        <a:font script="Khmr" typeface="DaunPenh"/>
+        <a:font script="Knda" typeface="Tunga"/>
+        <a:font script="Guru" typeface="Raavi"/>
+        <a:font script="Cans" typeface="Euphemia"/>
+        <a:font script="Cher" typeface="Plantagenet Cherokee"/>
+        <a:font script="Yiii" typeface="Microsoft Yi Baiti"/>
+        <a:font script="Tibt" typeface="Microsoft Himalaya"/>
+        <a:font script="Thaa" typeface="MV Boli"/>
+        <a:font script="Deva" typeface="Mangal"/>
+        <a:font script="Telu" typeface="Gautami"/>
+        <a:font script="Taml" typeface="Latha"/>
+        <a:font script="Syrc" typeface="Estrangelo Edessa"/>
+        <a:font script="Orya" typeface="Kalinga"/>
+        <a:font script="Mlym" typeface="Kartika"/>
+        <a:font script="Laoo" typeface="DokChampa"/>
+        <a:font script="Sinh" typeface="Iskoola Pota"/>
+        <a:font script="Mong" typeface="Mongolian Baiti"/>
+        <a:font script="Viet" typeface="Arial"/>
+        <a:font script="Uigh" typeface="Microsoft Uighur"/>
+        <a:font script="Geor" typeface="Sylfaen"/>
+        <a:font script="Armn" typeface="Arial"/>
+        <a:font script="Bugi" typeface="Leelawadee UI"/>
+        <a:font script="Bopo" typeface="Microsoft JhengHei"/>
+        <a:font script="Java" typeface="Javanese Text"/>
+        <a:font script="Lisu" typeface="Segoe UI"/>
+        <a:font script="Mymr" typeface="Myanmar Text"/>
+        <a:font script="Nkoo" typeface="Ebrima"/>
+        <a:font script="Olck" typeface="Nirmala UI"/>
+        <a:font script="Osma" typeface="Ebrima"/>
+        <a:font script="Phag" typeface="Phagspa"/>
+        <a:font script="Syrn" typeface="Estrangelo Edessa"/>
+        <a:font script="Syrj" typeface="Estrangelo Edessa"/>
+        <a:font script="Syre" typeface="Estrangelo Edessa"/>
+        <a:font script="Sora" typeface="Nirmala UI"/>
+        <a:font script="Tale" typeface="Microsoft Tai Le"/>
+        <a:font script="Talu" typeface="Microsoft New Tai Lue"/>
+        <a:font script="Tfng" typeface="Ebrima"/>
+      </a:minorFont>
+    </a:fontScheme>
+    <a:fmtScheme name="Office">
+      <a:fillStyleLst>
+        <a:solidFill>
+          <a:schemeClr val="phClr"/>
+        </a:solidFill>
+        <a:gradFill rotWithShape="1">
+          <a:gsLst>
+            <a:gs pos="0">
+              <a:schemeClr val="phClr">
+                <a:lumMod val="110000"/>
+                <a:satMod val="105000"/>
+                <a:tint val="67000"/>
+              </a:schemeClr>
+            </a:gs>
+            <a:gs pos="50000">
+              <a:schemeClr val="phClr">
+                <a:lumMod val="105000"/>
+                <a:satMod val="103000"/>
+                <a:tint val="73000"/>
+              </a:schemeClr>
+            </a:gs>
+            <a:gs pos="100000">
+              <a:schemeClr val="phClr">
+                <a:lumMod val="105000"/>
+                <a:satMod val="109000"/>
+                <a:tint val="81000"/>
+              </a:schemeClr>
+            </a:gs>
+          </a:gsLst>
+          <a:lin ang="5400000" scaled="0"/>
+        </a:gradFill>
+        <a:gradFill rotWithShape="1">
+          <a:gsLst>
+            <a:gs pos="0">
+              <a:schemeClr val="phClr">
+                <a:satMod val="103000"/>
+                <a:lumMod val="102000"/>
+                <a:tint val="94000"/>
+              </a:schemeClr>
+            </a:gs>
+            <a:gs pos="50000">
+              <a:schemeClr val="phClr">
+                <a:satMod val="110000"/>
+                <a:lumMod val="100000"/>
+                <a:shade val="100000"/>
+              </a:schemeClr>
+            </a:gs>
+            <a:gs pos="100000">
+              <a:schemeClr val="phClr">
+                <a:lumMod val="99000"/>
+                <a:satMod val="120000"/>
+                <a:shade val="78000"/>
+              </a:schemeClr>
+            </a:gs>
+          </a:gsLst>
+          <a:lin ang="5400000" scaled="0"/>
+        </a:gradFill>
+      </a:fillStyleLst>
+      <a:lnStyleLst>
+        <a:ln w="6350" cap="flat" cmpd="sng" algn="ctr">
+          <a:solidFill>
+            <a:schemeClr val="phClr"/>
+          </a:solidFill>
+          <a:prstDash val="solid"/>
+          <a:miter lim="800000"/>
+        </a:ln>
+        <a:ln w="12700" cap="flat" cmpd="sng" algn="ctr">
+          <a:solidFill>
+            <a:schemeClr val="phClr"/>
+          </a:solidFill>
+          <a:prstDash val="solid"/>
+          <a:miter lim="800000"/>
+        </a:ln>
+        <a:ln w="19050" cap="flat" cmpd="sng" algn="ctr">
+          <a:solidFill>
+            <a:schemeClr val="phClr"/>
+          </a:solidFill>
+          <a:prstDash val="solid"/>
+          <a:miter lim="800000"/>
+        </a:ln>
+      </a:lnStyleLst>
+      <a:effectStyleLst>
+        <a:effectStyle>
+          <a:effectLst/>
+        </a:effectStyle>
+        <a:effectStyle>
+          <a:effectLst/>
+        </a:effectStyle>
+        <a:effectStyle>
+          <a:effectLst>
+            <a:outerShdw blurRad="57150" dist="19050" dir="5400000" algn="ctr" rotWithShape="0">
+              <a:srgbClr val="000000">
+                <a:alpha val="63000"/>
+              </a:srgbClr>
+            </a:outerShdw>
+          </a:effectLst>
+        </a:effectStyle>
+      </a:effectStyleLst>
+      <a:bgFillStyleLst>
+        <a:solidFill>
+          <a:schemeClr val="phClr"/>
+        </a:solidFill>
+        <a:solidFill>
+          <a:schemeClr val="phClr">
+            <a:tint val="95000"/>
+            <a:satMod val="170000"/>
+          </a:schemeClr>
+        </a:solidFill>
+        <a:gradFill rotWithShape="1">
+          <a:gsLst>
+            <a:gs pos="0">
+              <a:schemeClr val="phClr">
+                <a:tint val="93000"/>
+                <a:satMod val="150000"/>
+                <a:shade val="98000"/>
+                <a:lumMod val="102000"/>
+              </a:schemeClr>
+            </a:gs>
+            <a:gs pos="50000">
+              <a:schemeClr val="phClr">
+                <a:tint val="98000"/>
+                <a:satMod val="130000"/>
+                <a:shade val="90000"/>
+                <a:lumMod val="103000"/>
+              </a:schemeClr>
+            </a:gs>
+            <a:gs pos="100000">
+              <a:schemeClr val="phClr">
+                <a:shade val="63000"/>
+                <a:satMod val="120000"/>
+              </a:schemeClr>
+            </a:gs>
+          </a:gsLst>
+          <a:lin ang="5400000" scaled="0"/>
+        </a:gradFill>
+      </a:bgFillStyleLst>
+    </a:fmtScheme>
+  </a:themeElements>
+  <a:objectDefaults/>
+  <a:extraClrSchemeLst/>
+  <a:extLst>
+    <a:ext uri="{05A4C25C-085E-4340-85A3-A5531E510DB2}">
+      <thm15:themeFamily xmlns:thm15="http://schemas.microsoft.com/office/thememl/2012/main" name="Office Theme" id="{62F939B6-93AF-4DB8-9C6B-D6C7DFDC589F}" vid="{4A3C46E8-61CC-4603-A589-7422A47A8E4A}"/>
+    </a:ext>
+  </a:extLst>
+</a:theme>
 </file>